--- a/Unit 2.pptx
+++ b/Unit 2.pptx
@@ -5,10 +5,10 @@
     <p:sldMasterId id="2147484398" r:id="rId1"/>
   </p:sldMasterIdLst>
   <p:notesMasterIdLst>
-    <p:notesMasterId r:id="rId19"/>
+    <p:notesMasterId r:id="rId25"/>
   </p:notesMasterIdLst>
   <p:handoutMasterIdLst>
-    <p:handoutMasterId r:id="rId20"/>
+    <p:handoutMasterId r:id="rId26"/>
   </p:handoutMasterIdLst>
   <p:sldIdLst>
     <p:sldId id="430" r:id="rId2"/>
@@ -25,9 +25,15 @@
     <p:sldId id="531" r:id="rId13"/>
     <p:sldId id="534" r:id="rId14"/>
     <p:sldId id="529" r:id="rId15"/>
-    <p:sldId id="535" r:id="rId16"/>
-    <p:sldId id="533" r:id="rId17"/>
-    <p:sldId id="520" r:id="rId18"/>
+    <p:sldId id="536" r:id="rId16"/>
+    <p:sldId id="537" r:id="rId17"/>
+    <p:sldId id="538" r:id="rId18"/>
+    <p:sldId id="540" r:id="rId19"/>
+    <p:sldId id="539" r:id="rId20"/>
+    <p:sldId id="541" r:id="rId21"/>
+    <p:sldId id="533" r:id="rId22"/>
+    <p:sldId id="535" r:id="rId23"/>
+    <p:sldId id="520" r:id="rId24"/>
   </p:sldIdLst>
   <p:sldSz cx="12192000" cy="6858000"/>
   <p:notesSz cx="7010400" cy="9296400"/>
@@ -276,7 +282,7 @@
               <a:pPr>
                 <a:defRPr/>
               </a:pPr>
-              <a:t>5/28/2019</a:t>
+              <a:t>6/19/2019</a:t>
             </a:fld>
             <a:endParaRPr lang="en-US"/>
           </a:p>
@@ -514,7 +520,7 @@
               <a:pPr>
                 <a:defRPr/>
               </a:pPr>
-              <a:t>2019/5/28</a:t>
+              <a:t>2019/6/19</a:t>
             </a:fld>
             <a:endParaRPr lang="en-US" altLang="zh-CN"/>
           </a:p>
@@ -1852,7 +1858,7 @@
           <a:p>
             <a:fld id="{4D9FFFB4-400D-1240-AB24-6F86C96D4DFB}" type="datetimeFigureOut">
               <a:rPr lang="en-US" smtClean="0"/>
-              <a:t>5/28/2019</a:t>
+              <a:t>6/19/2019</a:t>
             </a:fld>
             <a:endParaRPr lang="en-US" dirty="0"/>
           </a:p>
@@ -3833,7 +3839,7 @@
                 <a:latin typeface="Times New Roman" panose="02020603050405020304" pitchFamily="18" charset="0"/>
                 <a:cs typeface="Times New Roman" panose="02020603050405020304" pitchFamily="18" charset="0"/>
               </a:rPr>
-              <a:t>Some advanced Tool</a:t>
+              <a:t>Select feature by Expression</a:t>
             </a:r>
           </a:p>
         </p:txBody>
@@ -3875,10 +3881,10 @@
       </p:sp>
       <p:sp>
         <p:nvSpPr>
-          <p:cNvPr id="5" name="Rectangle 4">
+          <p:cNvPr id="6" name="Rectangle 5">
             <a:extLst>
               <a:ext uri="{FF2B5EF4-FFF2-40B4-BE49-F238E27FC236}">
-                <a16:creationId xmlns:a16="http://schemas.microsoft.com/office/drawing/2014/main" id="{F963E4AD-0B49-4E89-818B-4205A45DCD44}"/>
+                <a16:creationId xmlns:a16="http://schemas.microsoft.com/office/drawing/2014/main" id="{A88E34C7-C14F-4234-9298-094351064EB8}"/>
               </a:ext>
             </a:extLst>
           </p:cNvPr>
@@ -3888,7 +3894,7 @@
         <p:spPr>
           <a:xfrm>
             <a:off x="533399" y="695745"/>
-            <a:ext cx="11648661" cy="4832092"/>
+            <a:ext cx="11648661" cy="5262979"/>
           </a:xfrm>
           <a:prstGeom prst="rect">
             <a:avLst/>
@@ -3909,8 +3915,26 @@
                 <a:latin typeface="Times New Roman" panose="02020603050405020304" pitchFamily="18" charset="0"/>
                 <a:cs typeface="Times New Roman" panose="02020603050405020304" pitchFamily="18" charset="0"/>
               </a:rPr>
-              <a:t>Decoration</a:t>
-            </a:r>
+              <a:t>QGIS supports </a:t>
+            </a:r>
+            <a:r>
+              <a:rPr lang="en-US" sz="2800" b="1" dirty="0">
+                <a:latin typeface="Times New Roman" panose="02020603050405020304" pitchFamily="18" charset="0"/>
+                <a:cs typeface="Times New Roman" panose="02020603050405020304" pitchFamily="18" charset="0"/>
+              </a:rPr>
+              <a:t>SQL-like expressions </a:t>
+            </a:r>
+            <a:r>
+              <a:rPr lang="en-US" sz="2800" dirty="0">
+                <a:latin typeface="Times New Roman" panose="02020603050405020304" pitchFamily="18" charset="0"/>
+                <a:cs typeface="Times New Roman" panose="02020603050405020304" pitchFamily="18" charset="0"/>
+              </a:rPr>
+              <a:t>(for number, string and column reference).</a:t>
+            </a:r>
+            <a:endParaRPr lang="en-US" sz="4000" b="1" dirty="0">
+              <a:latin typeface="Times New Roman" panose="02020603050405020304" pitchFamily="18" charset="0"/>
+              <a:cs typeface="Times New Roman" panose="02020603050405020304" pitchFamily="18" charset="0"/>
+            </a:endParaRPr>
           </a:p>
           <a:p>
             <a:pPr marL="457200" indent="-457200">
@@ -3918,143 +3942,113 @@
               <a:buChar char="•"/>
             </a:pPr>
             <a:r>
-              <a:rPr lang="en-US" sz="2800" dirty="0">
-                <a:latin typeface="Times New Roman" panose="02020603050405020304" pitchFamily="18" charset="0"/>
-                <a:cs typeface="Times New Roman" panose="02020603050405020304" pitchFamily="18" charset="0"/>
-              </a:rPr>
-              <a:t>Preview Mode</a:t>
-            </a:r>
-          </a:p>
-          <a:p>
-            <a:pPr marL="457200" indent="-457200">
+              <a:rPr lang="en-US" sz="2800" b="1" dirty="0">
+                <a:latin typeface="Times New Roman" panose="02020603050405020304" pitchFamily="18" charset="0"/>
+                <a:cs typeface="Times New Roman" panose="02020603050405020304" pitchFamily="18" charset="0"/>
+              </a:rPr>
+              <a:t>Some basic operators:</a:t>
+            </a:r>
+          </a:p>
+          <a:p>
+            <a:pPr marL="914400" lvl="1" indent="-457200">
               <a:buFont typeface="Arial" panose="020B0604020202020204" pitchFamily="34" charset="0"/>
               <a:buChar char="•"/>
             </a:pPr>
             <a:r>
+              <a:rPr lang="en-US" sz="2800" b="1" dirty="0">
+                <a:latin typeface="Times New Roman" panose="02020603050405020304" pitchFamily="18" charset="0"/>
+                <a:cs typeface="Times New Roman" panose="02020603050405020304" pitchFamily="18" charset="0"/>
+              </a:rPr>
+              <a:t>Comparison operators: </a:t>
+            </a:r>
+            <a:r>
+              <a:rPr lang="en-US" sz="2800" i="1" dirty="0">
+                <a:latin typeface="Times New Roman" panose="02020603050405020304" pitchFamily="18" charset="0"/>
+                <a:cs typeface="Times New Roman" panose="02020603050405020304" pitchFamily="18" charset="0"/>
+              </a:rPr>
+              <a:t>operators that compare values and return True (1) or False (0) (Boolean values)</a:t>
+            </a:r>
+          </a:p>
+          <a:p>
+            <a:pPr lvl="5"/>
+            <a:r>
               <a:rPr lang="en-US" sz="2800" dirty="0">
                 <a:latin typeface="Times New Roman" panose="02020603050405020304" pitchFamily="18" charset="0"/>
                 <a:cs typeface="Times New Roman" panose="02020603050405020304" pitchFamily="18" charset="0"/>
               </a:rPr>
-              <a:t>Toggle Panel, Map</a:t>
-            </a:r>
-          </a:p>
-          <a:p>
-            <a:pPr marL="457200" indent="-457200">
-              <a:buFont typeface="Arial" panose="020B0604020202020204" pitchFamily="34" charset="0"/>
-              <a:buChar char="•"/>
-            </a:pPr>
+              <a:t>a = b      a and b are equal</a:t>
+            </a:r>
+          </a:p>
+          <a:p>
+            <a:pPr lvl="5"/>
             <a:r>
               <a:rPr lang="en-US" sz="2800" dirty="0">
                 <a:latin typeface="Times New Roman" panose="02020603050405020304" pitchFamily="18" charset="0"/>
                 <a:cs typeface="Times New Roman" panose="02020603050405020304" pitchFamily="18" charset="0"/>
               </a:rPr>
-              <a:t>Show New Map View</a:t>
-            </a:r>
-          </a:p>
-          <a:p>
-            <a:pPr marL="457200" indent="-457200">
-              <a:buFont typeface="Arial" panose="020B0604020202020204" pitchFamily="34" charset="0"/>
-              <a:buChar char="•"/>
-            </a:pPr>
+              <a:t>a &gt; b      a is larger than b</a:t>
+            </a:r>
+          </a:p>
+          <a:p>
+            <a:pPr lvl="5"/>
             <a:r>
               <a:rPr lang="en-US" sz="2800" dirty="0">
                 <a:latin typeface="Times New Roman" panose="02020603050405020304" pitchFamily="18" charset="0"/>
                 <a:cs typeface="Times New Roman" panose="02020603050405020304" pitchFamily="18" charset="0"/>
               </a:rPr>
-              <a:t>Working with Bookmarks: Create, Show, Import, Export</a:t>
-            </a:r>
-          </a:p>
-          <a:p>
-            <a:pPr marL="457200" indent="-457200">
-              <a:buFont typeface="Arial" panose="020B0604020202020204" pitchFamily="34" charset="0"/>
-              <a:buChar char="•"/>
-            </a:pPr>
+              <a:t>a &lt; b      a is smaller than b</a:t>
+            </a:r>
+          </a:p>
+          <a:p>
+            <a:pPr lvl="5"/>
             <a:r>
               <a:rPr lang="en-US" sz="2800" dirty="0">
                 <a:latin typeface="Times New Roman" panose="02020603050405020304" pitchFamily="18" charset="0"/>
                 <a:cs typeface="Times New Roman" panose="02020603050405020304" pitchFamily="18" charset="0"/>
               </a:rPr>
-              <a:t>Show Statistical Summary </a:t>
-            </a:r>
-          </a:p>
-          <a:p>
-            <a:pPr marL="457200" indent="-457200">
-              <a:buFont typeface="Arial" panose="020B0604020202020204" pitchFamily="34" charset="0"/>
-              <a:buChar char="•"/>
-            </a:pPr>
+              <a:t>a &lt;&gt; b     a and b are not equal</a:t>
+            </a:r>
+          </a:p>
+          <a:p>
+            <a:pPr lvl="5"/>
             <a:r>
               <a:rPr lang="en-US" sz="2800" dirty="0">
                 <a:latin typeface="Times New Roman" panose="02020603050405020304" pitchFamily="18" charset="0"/>
                 <a:cs typeface="Times New Roman" panose="02020603050405020304" pitchFamily="18" charset="0"/>
               </a:rPr>
-              <a:t>Measure Distance</a:t>
-            </a:r>
-          </a:p>
-          <a:p>
-            <a:pPr marL="457200" indent="-457200">
-              <a:buFont typeface="Arial" panose="020B0604020202020204" pitchFamily="34" charset="0"/>
-              <a:buChar char="•"/>
-            </a:pPr>
+              <a:t>a != b     a and b are not equal</a:t>
+            </a:r>
+          </a:p>
+          <a:p>
+            <a:pPr lvl="5"/>
             <a:r>
               <a:rPr lang="en-US" sz="2800" dirty="0">
                 <a:latin typeface="Times New Roman" panose="02020603050405020304" pitchFamily="18" charset="0"/>
                 <a:cs typeface="Times New Roman" panose="02020603050405020304" pitchFamily="18" charset="0"/>
               </a:rPr>
-              <a:t>Action</a:t>
-            </a:r>
-          </a:p>
-          <a:p>
-            <a:pPr marL="457200" indent="-457200">
-              <a:buFont typeface="Arial" panose="020B0604020202020204" pitchFamily="34" charset="0"/>
-              <a:buChar char="•"/>
-            </a:pPr>
+              <a:t>a &lt;= b     a is less than or equal to b</a:t>
+            </a:r>
+          </a:p>
+          <a:p>
+            <a:pPr lvl="5"/>
             <a:r>
               <a:rPr lang="en-US" sz="2800" dirty="0">
                 <a:latin typeface="Times New Roman" panose="02020603050405020304" pitchFamily="18" charset="0"/>
                 <a:cs typeface="Times New Roman" panose="02020603050405020304" pitchFamily="18" charset="0"/>
               </a:rPr>
-              <a:t>Map tips</a:t>
-            </a:r>
-          </a:p>
-          <a:p>
-            <a:pPr marL="457200" indent="-457200">
-              <a:buFont typeface="Arial" panose="020B0604020202020204" pitchFamily="34" charset="0"/>
-              <a:buChar char="•"/>
-            </a:pPr>
-            <a:r>
-              <a:rPr lang="en-US" sz="2800" dirty="0" err="1">
-                <a:latin typeface="Times New Roman" panose="02020603050405020304" pitchFamily="18" charset="0"/>
-                <a:cs typeface="Times New Roman" panose="02020603050405020304" pitchFamily="18" charset="0"/>
-              </a:rPr>
-              <a:t>Evis</a:t>
-            </a:r>
-            <a:r>
-              <a:rPr lang="en-US" sz="2800" dirty="0">
-                <a:latin typeface="Times New Roman" panose="02020603050405020304" pitchFamily="18" charset="0"/>
-                <a:cs typeface="Times New Roman" panose="02020603050405020304" pitchFamily="18" charset="0"/>
-              </a:rPr>
-              <a:t> Plugin</a:t>
-            </a:r>
-          </a:p>
-          <a:p>
-            <a:pPr marL="457200" indent="-457200">
-              <a:buFont typeface="Arial" panose="020B0604020202020204" pitchFamily="34" charset="0"/>
-              <a:buChar char="•"/>
-            </a:pPr>
-            <a:r>
-              <a:rPr lang="en-US" sz="2800" dirty="0">
-                <a:latin typeface="Times New Roman" panose="02020603050405020304" pitchFamily="18" charset="0"/>
-                <a:cs typeface="Times New Roman" panose="02020603050405020304" pitchFamily="18" charset="0"/>
-              </a:rPr>
-              <a:t>Export Map to Image, PDF</a:t>
-            </a:r>
+              <a:t>a &gt;= b     a is larger than or equal to b</a:t>
+            </a:r>
+            <a:endParaRPr lang="en-US" sz="2400" i="1" dirty="0">
+              <a:latin typeface="Times New Roman" panose="02020603050405020304" pitchFamily="18" charset="0"/>
+              <a:cs typeface="Times New Roman" panose="02020603050405020304" pitchFamily="18" charset="0"/>
+            </a:endParaRPr>
           </a:p>
         </p:txBody>
       </p:sp>
     </p:spTree>
     <p:extLst>
       <p:ext uri="{BB962C8B-B14F-4D97-AF65-F5344CB8AC3E}">
-        <p14:creationId xmlns:p14="http://schemas.microsoft.com/office/powerpoint/2010/main" val="3626681287"/>
+        <p14:creationId xmlns:p14="http://schemas.microsoft.com/office/powerpoint/2010/main" val="1282392801"/>
       </p:ext>
     </p:extLst>
   </p:cSld>
@@ -4123,7 +4117,7 @@
                 <a:latin typeface="Times New Roman" panose="02020603050405020304" pitchFamily="18" charset="0"/>
                 <a:cs typeface="Times New Roman" panose="02020603050405020304" pitchFamily="18" charset="0"/>
               </a:rPr>
-              <a:t>Exercises</a:t>
+              <a:t>Select feature by Expression</a:t>
             </a:r>
           </a:p>
         </p:txBody>
@@ -4158,6 +4152,3279 @@
                 <a:defRPr/>
               </a:pPr>
               <a:t>16</a:t>
+            </a:fld>
+            <a:endParaRPr lang="en-US" dirty="0"/>
+          </a:p>
+        </p:txBody>
+      </p:sp>
+      <p:sp>
+        <p:nvSpPr>
+          <p:cNvPr id="6" name="Rectangle 5">
+            <a:extLst>
+              <a:ext uri="{FF2B5EF4-FFF2-40B4-BE49-F238E27FC236}">
+                <a16:creationId xmlns:a16="http://schemas.microsoft.com/office/drawing/2014/main" id="{A88E34C7-C14F-4234-9298-094351064EB8}"/>
+              </a:ext>
+            </a:extLst>
+          </p:cNvPr>
+          <p:cNvSpPr/>
+          <p:nvPr/>
+        </p:nvSpPr>
+        <p:spPr>
+          <a:xfrm>
+            <a:off x="533399" y="695745"/>
+            <a:ext cx="11648661" cy="1384995"/>
+          </a:xfrm>
+          <a:prstGeom prst="rect">
+            <a:avLst/>
+          </a:prstGeom>
+        </p:spPr>
+        <p:txBody>
+          <a:bodyPr wrap="square">
+            <a:spAutoFit/>
+          </a:bodyPr>
+          <a:lstStyle/>
+          <a:p>
+            <a:pPr marL="457200" indent="-457200">
+              <a:buFont typeface="Arial" panose="020B0604020202020204" pitchFamily="34" charset="0"/>
+              <a:buChar char="•"/>
+            </a:pPr>
+            <a:r>
+              <a:rPr lang="en-US" sz="2800" b="1" dirty="0">
+                <a:latin typeface="Times New Roman" panose="02020603050405020304" pitchFamily="18" charset="0"/>
+                <a:cs typeface="Times New Roman" panose="02020603050405020304" pitchFamily="18" charset="0"/>
+              </a:rPr>
+              <a:t>Logical operators: </a:t>
+            </a:r>
+            <a:r>
+              <a:rPr lang="en-US" sz="2800" dirty="0">
+                <a:latin typeface="Times New Roman" panose="02020603050405020304" pitchFamily="18" charset="0"/>
+                <a:cs typeface="Times New Roman" panose="02020603050405020304" pitchFamily="18" charset="0"/>
+              </a:rPr>
+              <a:t>operators that combine multiple </a:t>
+            </a:r>
+            <a:r>
+              <a:rPr lang="en-US" sz="2800" dirty="0" err="1">
+                <a:latin typeface="Times New Roman" panose="02020603050405020304" pitchFamily="18" charset="0"/>
+                <a:cs typeface="Times New Roman" panose="02020603050405020304" pitchFamily="18" charset="0"/>
+              </a:rPr>
+              <a:t>boolean</a:t>
+            </a:r>
+            <a:r>
+              <a:rPr lang="en-US" sz="2800" dirty="0">
+                <a:latin typeface="Times New Roman" panose="02020603050405020304" pitchFamily="18" charset="0"/>
+                <a:cs typeface="Times New Roman" panose="02020603050405020304" pitchFamily="18" charset="0"/>
+              </a:rPr>
+              <a:t> expressions or values and provide a single </a:t>
+            </a:r>
+            <a:r>
+              <a:rPr lang="en-US" sz="2800" dirty="0" err="1">
+                <a:latin typeface="Times New Roman" panose="02020603050405020304" pitchFamily="18" charset="0"/>
+                <a:cs typeface="Times New Roman" panose="02020603050405020304" pitchFamily="18" charset="0"/>
+              </a:rPr>
+              <a:t>boolean</a:t>
+            </a:r>
+            <a:r>
+              <a:rPr lang="en-US" sz="2800" dirty="0">
+                <a:latin typeface="Times New Roman" panose="02020603050405020304" pitchFamily="18" charset="0"/>
+                <a:cs typeface="Times New Roman" panose="02020603050405020304" pitchFamily="18" charset="0"/>
+              </a:rPr>
+              <a:t> output (True/ False or 1/0):</a:t>
+            </a:r>
+          </a:p>
+          <a:p>
+            <a:pPr marL="1371600" lvl="2" indent="-457200">
+              <a:buFont typeface="Arial" panose="020B0604020202020204" pitchFamily="34" charset="0"/>
+              <a:buChar char="•"/>
+            </a:pPr>
+            <a:endParaRPr lang="en-US" sz="2800" dirty="0">
+              <a:latin typeface="Times New Roman" panose="02020603050405020304" pitchFamily="18" charset="0"/>
+              <a:cs typeface="Times New Roman" panose="02020603050405020304" pitchFamily="18" charset="0"/>
+            </a:endParaRPr>
+          </a:p>
+        </p:txBody>
+      </p:sp>
+      <p:sp>
+        <p:nvSpPr>
+          <p:cNvPr id="5" name="Rectangle 4">
+            <a:extLst>
+              <a:ext uri="{FF2B5EF4-FFF2-40B4-BE49-F238E27FC236}">
+                <a16:creationId xmlns:a16="http://schemas.microsoft.com/office/drawing/2014/main" id="{E2EA228F-F5BE-44BB-9CA6-3739D4166936}"/>
+              </a:ext>
+            </a:extLst>
+          </p:cNvPr>
+          <p:cNvSpPr/>
+          <p:nvPr/>
+        </p:nvSpPr>
+        <p:spPr>
+          <a:xfrm>
+            <a:off x="2623929" y="1935540"/>
+            <a:ext cx="7467600" cy="1200329"/>
+          </a:xfrm>
+          <a:prstGeom prst="rect">
+            <a:avLst/>
+          </a:prstGeom>
+        </p:spPr>
+        <p:txBody>
+          <a:bodyPr wrap="square">
+            <a:spAutoFit/>
+          </a:bodyPr>
+          <a:lstStyle/>
+          <a:p>
+            <a:r>
+              <a:rPr lang="en-US" sz="2400" dirty="0">
+                <a:latin typeface="Times New Roman" panose="02020603050405020304" pitchFamily="18" charset="0"/>
+                <a:cs typeface="Times New Roman" panose="02020603050405020304" pitchFamily="18" charset="0"/>
+              </a:rPr>
+              <a:t>A  </a:t>
+            </a:r>
+            <a:r>
+              <a:rPr lang="en-US" sz="2400" dirty="0">
+                <a:solidFill>
+                  <a:srgbClr val="FF0000"/>
+                </a:solidFill>
+                <a:latin typeface="Times New Roman" panose="02020603050405020304" pitchFamily="18" charset="0"/>
+                <a:cs typeface="Times New Roman" panose="02020603050405020304" pitchFamily="18" charset="0"/>
+              </a:rPr>
+              <a:t>and</a:t>
+            </a:r>
+            <a:r>
+              <a:rPr lang="en-US" sz="2400" dirty="0">
+                <a:latin typeface="Times New Roman" panose="02020603050405020304" pitchFamily="18" charset="0"/>
+                <a:cs typeface="Times New Roman" panose="02020603050405020304" pitchFamily="18" charset="0"/>
+              </a:rPr>
+              <a:t> B:     returns True when both A and B are True</a:t>
+            </a:r>
+          </a:p>
+          <a:p>
+            <a:r>
+              <a:rPr lang="en-US" sz="2400" dirty="0">
+                <a:latin typeface="Times New Roman" panose="02020603050405020304" pitchFamily="18" charset="0"/>
+                <a:cs typeface="Times New Roman" panose="02020603050405020304" pitchFamily="18" charset="0"/>
+              </a:rPr>
+              <a:t>A </a:t>
+            </a:r>
+            <a:r>
+              <a:rPr lang="en-US" sz="2400" dirty="0">
+                <a:solidFill>
+                  <a:srgbClr val="FF0000"/>
+                </a:solidFill>
+                <a:latin typeface="Times New Roman" panose="02020603050405020304" pitchFamily="18" charset="0"/>
+                <a:cs typeface="Times New Roman" panose="02020603050405020304" pitchFamily="18" charset="0"/>
+              </a:rPr>
+              <a:t>or</a:t>
+            </a:r>
+            <a:r>
+              <a:rPr lang="en-US" sz="2400" dirty="0">
+                <a:latin typeface="Times New Roman" panose="02020603050405020304" pitchFamily="18" charset="0"/>
+                <a:cs typeface="Times New Roman" panose="02020603050405020304" pitchFamily="18" charset="0"/>
+              </a:rPr>
+              <a:t> B:        returns True when A or B is True</a:t>
+            </a:r>
+          </a:p>
+          <a:p>
+            <a:r>
+              <a:rPr lang="en-US" sz="2400" dirty="0">
+                <a:solidFill>
+                  <a:srgbClr val="FF0000"/>
+                </a:solidFill>
+                <a:latin typeface="Times New Roman" panose="02020603050405020304" pitchFamily="18" charset="0"/>
+                <a:cs typeface="Times New Roman" panose="02020603050405020304" pitchFamily="18" charset="0"/>
+              </a:rPr>
+              <a:t>not</a:t>
+            </a:r>
+            <a:r>
+              <a:rPr lang="en-US" sz="2400" dirty="0">
+                <a:latin typeface="Times New Roman" panose="02020603050405020304" pitchFamily="18" charset="0"/>
+                <a:cs typeface="Times New Roman" panose="02020603050405020304" pitchFamily="18" charset="0"/>
+              </a:rPr>
+              <a:t> A:          returns True if A is False and vice versa</a:t>
+            </a:r>
+          </a:p>
+        </p:txBody>
+      </p:sp>
+      <p:graphicFrame>
+        <p:nvGraphicFramePr>
+          <p:cNvPr id="7" name="Table 6">
+            <a:extLst>
+              <a:ext uri="{FF2B5EF4-FFF2-40B4-BE49-F238E27FC236}">
+                <a16:creationId xmlns:a16="http://schemas.microsoft.com/office/drawing/2014/main" id="{313F4714-1743-4BDE-88F3-E34CFDE59417}"/>
+              </a:ext>
+            </a:extLst>
+          </p:cNvPr>
+          <p:cNvGraphicFramePr>
+            <a:graphicFrameLocks noGrp="1"/>
+          </p:cNvGraphicFramePr>
+          <p:nvPr>
+            <p:extLst>
+              <p:ext uri="{D42A27DB-BD31-4B8C-83A1-F6EECF244321}">
+                <p14:modId xmlns:p14="http://schemas.microsoft.com/office/powerpoint/2010/main" val="1024130440"/>
+              </p:ext>
+            </p:extLst>
+          </p:nvPr>
+        </p:nvGraphicFramePr>
+        <p:xfrm>
+          <a:off x="3124200" y="3448564"/>
+          <a:ext cx="5410200" cy="1854200"/>
+        </p:xfrm>
+        <a:graphic>
+          <a:graphicData uri="http://schemas.openxmlformats.org/drawingml/2006/table">
+            <a:tbl>
+              <a:tblPr firstRow="1" bandRow="1">
+                <a:tableStyleId>{5C22544A-7EE6-4342-B048-85BDC9FD1C3A}</a:tableStyleId>
+              </a:tblPr>
+              <a:tblGrid>
+                <a:gridCol w="761999">
+                  <a:extLst>
+                    <a:ext uri="{9D8B030D-6E8A-4147-A177-3AD203B41FA5}">
+                      <a16:colId xmlns:a16="http://schemas.microsoft.com/office/drawing/2014/main" val="3186014905"/>
+                    </a:ext>
+                  </a:extLst>
+                </a:gridCol>
+                <a:gridCol w="806174">
+                  <a:extLst>
+                    <a:ext uri="{9D8B030D-6E8A-4147-A177-3AD203B41FA5}">
+                      <a16:colId xmlns:a16="http://schemas.microsoft.com/office/drawing/2014/main" val="75319014"/>
+                    </a:ext>
+                  </a:extLst>
+                </a:gridCol>
+                <a:gridCol w="1411357">
+                  <a:extLst>
+                    <a:ext uri="{9D8B030D-6E8A-4147-A177-3AD203B41FA5}">
+                      <a16:colId xmlns:a16="http://schemas.microsoft.com/office/drawing/2014/main" val="3323931377"/>
+                    </a:ext>
+                  </a:extLst>
+                </a:gridCol>
+                <a:gridCol w="1332948">
+                  <a:extLst>
+                    <a:ext uri="{9D8B030D-6E8A-4147-A177-3AD203B41FA5}">
+                      <a16:colId xmlns:a16="http://schemas.microsoft.com/office/drawing/2014/main" val="2468727387"/>
+                    </a:ext>
+                  </a:extLst>
+                </a:gridCol>
+                <a:gridCol w="1097722">
+                  <a:extLst>
+                    <a:ext uri="{9D8B030D-6E8A-4147-A177-3AD203B41FA5}">
+                      <a16:colId xmlns:a16="http://schemas.microsoft.com/office/drawing/2014/main" val="2974541787"/>
+                    </a:ext>
+                  </a:extLst>
+                </a:gridCol>
+              </a:tblGrid>
+              <a:tr h="370840">
+                <a:tc>
+                  <a:txBody>
+                    <a:bodyPr/>
+                    <a:lstStyle/>
+                    <a:p>
+                      <a:pPr algn="ctr"/>
+                      <a:r>
+                        <a:rPr lang="en-US" dirty="0">
+                          <a:latin typeface="Times New Roman" panose="02020603050405020304" pitchFamily="18" charset="0"/>
+                          <a:cs typeface="Times New Roman" panose="02020603050405020304" pitchFamily="18" charset="0"/>
+                        </a:rPr>
+                        <a:t>A</a:t>
+                      </a:r>
+                    </a:p>
+                  </a:txBody>
+                  <a:tcPr/>
+                </a:tc>
+                <a:tc>
+                  <a:txBody>
+                    <a:bodyPr/>
+                    <a:lstStyle/>
+                    <a:p>
+                      <a:pPr algn="ctr"/>
+                      <a:r>
+                        <a:rPr lang="en-US" dirty="0">
+                          <a:latin typeface="Times New Roman" panose="02020603050405020304" pitchFamily="18" charset="0"/>
+                          <a:cs typeface="Times New Roman" panose="02020603050405020304" pitchFamily="18" charset="0"/>
+                        </a:rPr>
+                        <a:t>B</a:t>
+                      </a:r>
+                    </a:p>
+                  </a:txBody>
+                  <a:tcPr/>
+                </a:tc>
+                <a:tc>
+                  <a:txBody>
+                    <a:bodyPr/>
+                    <a:lstStyle/>
+                    <a:p>
+                      <a:pPr algn="ctr"/>
+                      <a:r>
+                        <a:rPr lang="en-US" dirty="0">
+                          <a:latin typeface="Times New Roman" panose="02020603050405020304" pitchFamily="18" charset="0"/>
+                          <a:cs typeface="Times New Roman" panose="02020603050405020304" pitchFamily="18" charset="0"/>
+                        </a:rPr>
+                        <a:t>A and B</a:t>
+                      </a:r>
+                    </a:p>
+                  </a:txBody>
+                  <a:tcPr/>
+                </a:tc>
+                <a:tc>
+                  <a:txBody>
+                    <a:bodyPr/>
+                    <a:lstStyle/>
+                    <a:p>
+                      <a:pPr algn="ctr"/>
+                      <a:r>
+                        <a:rPr lang="en-US" dirty="0">
+                          <a:latin typeface="Times New Roman" panose="02020603050405020304" pitchFamily="18" charset="0"/>
+                          <a:cs typeface="Times New Roman" panose="02020603050405020304" pitchFamily="18" charset="0"/>
+                        </a:rPr>
+                        <a:t>A or B</a:t>
+                      </a:r>
+                    </a:p>
+                  </a:txBody>
+                  <a:tcPr/>
+                </a:tc>
+                <a:tc>
+                  <a:txBody>
+                    <a:bodyPr/>
+                    <a:lstStyle/>
+                    <a:p>
+                      <a:pPr algn="ctr"/>
+                      <a:r>
+                        <a:rPr lang="en-US" dirty="0">
+                          <a:latin typeface="Times New Roman" panose="02020603050405020304" pitchFamily="18" charset="0"/>
+                          <a:cs typeface="Times New Roman" panose="02020603050405020304" pitchFamily="18" charset="0"/>
+                        </a:rPr>
+                        <a:t>not A</a:t>
+                      </a:r>
+                    </a:p>
+                  </a:txBody>
+                  <a:tcPr/>
+                </a:tc>
+                <a:extLst>
+                  <a:ext uri="{0D108BD9-81ED-4DB2-BD59-A6C34878D82A}">
+                    <a16:rowId xmlns:a16="http://schemas.microsoft.com/office/drawing/2014/main" val="1684266690"/>
+                  </a:ext>
+                </a:extLst>
+              </a:tr>
+              <a:tr h="370840">
+                <a:tc>
+                  <a:txBody>
+                    <a:bodyPr/>
+                    <a:lstStyle/>
+                    <a:p>
+                      <a:pPr algn="ctr"/>
+                      <a:r>
+                        <a:rPr lang="en-US" dirty="0">
+                          <a:latin typeface="Times New Roman" panose="02020603050405020304" pitchFamily="18" charset="0"/>
+                          <a:cs typeface="Times New Roman" panose="02020603050405020304" pitchFamily="18" charset="0"/>
+                        </a:rPr>
+                        <a:t>0</a:t>
+                      </a:r>
+                    </a:p>
+                  </a:txBody>
+                  <a:tcPr/>
+                </a:tc>
+                <a:tc>
+                  <a:txBody>
+                    <a:bodyPr/>
+                    <a:lstStyle/>
+                    <a:p>
+                      <a:pPr algn="ctr"/>
+                      <a:r>
+                        <a:rPr lang="en-US" dirty="0">
+                          <a:latin typeface="Times New Roman" panose="02020603050405020304" pitchFamily="18" charset="0"/>
+                          <a:cs typeface="Times New Roman" panose="02020603050405020304" pitchFamily="18" charset="0"/>
+                        </a:rPr>
+                        <a:t>0</a:t>
+                      </a:r>
+                    </a:p>
+                  </a:txBody>
+                  <a:tcPr/>
+                </a:tc>
+                <a:tc>
+                  <a:txBody>
+                    <a:bodyPr/>
+                    <a:lstStyle/>
+                    <a:p>
+                      <a:pPr algn="ctr"/>
+                      <a:r>
+                        <a:rPr lang="en-US" dirty="0">
+                          <a:latin typeface="Times New Roman" panose="02020603050405020304" pitchFamily="18" charset="0"/>
+                          <a:cs typeface="Times New Roman" panose="02020603050405020304" pitchFamily="18" charset="0"/>
+                        </a:rPr>
+                        <a:t>0</a:t>
+                      </a:r>
+                    </a:p>
+                  </a:txBody>
+                  <a:tcPr/>
+                </a:tc>
+                <a:tc>
+                  <a:txBody>
+                    <a:bodyPr/>
+                    <a:lstStyle/>
+                    <a:p>
+                      <a:pPr algn="ctr"/>
+                      <a:r>
+                        <a:rPr lang="en-US" dirty="0">
+                          <a:latin typeface="Times New Roman" panose="02020603050405020304" pitchFamily="18" charset="0"/>
+                          <a:cs typeface="Times New Roman" panose="02020603050405020304" pitchFamily="18" charset="0"/>
+                        </a:rPr>
+                        <a:t>0</a:t>
+                      </a:r>
+                    </a:p>
+                  </a:txBody>
+                  <a:tcPr/>
+                </a:tc>
+                <a:tc>
+                  <a:txBody>
+                    <a:bodyPr/>
+                    <a:lstStyle/>
+                    <a:p>
+                      <a:pPr algn="ctr"/>
+                      <a:r>
+                        <a:rPr lang="en-US" dirty="0">
+                          <a:latin typeface="Times New Roman" panose="02020603050405020304" pitchFamily="18" charset="0"/>
+                          <a:cs typeface="Times New Roman" panose="02020603050405020304" pitchFamily="18" charset="0"/>
+                        </a:rPr>
+                        <a:t>1</a:t>
+                      </a:r>
+                    </a:p>
+                  </a:txBody>
+                  <a:tcPr/>
+                </a:tc>
+                <a:extLst>
+                  <a:ext uri="{0D108BD9-81ED-4DB2-BD59-A6C34878D82A}">
+                    <a16:rowId xmlns:a16="http://schemas.microsoft.com/office/drawing/2014/main" val="1924507360"/>
+                  </a:ext>
+                </a:extLst>
+              </a:tr>
+              <a:tr h="370840">
+                <a:tc>
+                  <a:txBody>
+                    <a:bodyPr/>
+                    <a:lstStyle/>
+                    <a:p>
+                      <a:pPr algn="ctr"/>
+                      <a:r>
+                        <a:rPr lang="en-US" dirty="0">
+                          <a:latin typeface="Times New Roman" panose="02020603050405020304" pitchFamily="18" charset="0"/>
+                          <a:cs typeface="Times New Roman" panose="02020603050405020304" pitchFamily="18" charset="0"/>
+                        </a:rPr>
+                        <a:t>1</a:t>
+                      </a:r>
+                    </a:p>
+                  </a:txBody>
+                  <a:tcPr/>
+                </a:tc>
+                <a:tc>
+                  <a:txBody>
+                    <a:bodyPr/>
+                    <a:lstStyle/>
+                    <a:p>
+                      <a:pPr algn="ctr"/>
+                      <a:r>
+                        <a:rPr lang="en-US" dirty="0">
+                          <a:latin typeface="Times New Roman" panose="02020603050405020304" pitchFamily="18" charset="0"/>
+                          <a:cs typeface="Times New Roman" panose="02020603050405020304" pitchFamily="18" charset="0"/>
+                        </a:rPr>
+                        <a:t>0</a:t>
+                      </a:r>
+                    </a:p>
+                  </a:txBody>
+                  <a:tcPr/>
+                </a:tc>
+                <a:tc>
+                  <a:txBody>
+                    <a:bodyPr/>
+                    <a:lstStyle/>
+                    <a:p>
+                      <a:pPr algn="ctr"/>
+                      <a:r>
+                        <a:rPr lang="en-US" dirty="0">
+                          <a:latin typeface="Times New Roman" panose="02020603050405020304" pitchFamily="18" charset="0"/>
+                          <a:cs typeface="Times New Roman" panose="02020603050405020304" pitchFamily="18" charset="0"/>
+                        </a:rPr>
+                        <a:t>0</a:t>
+                      </a:r>
+                    </a:p>
+                  </a:txBody>
+                  <a:tcPr/>
+                </a:tc>
+                <a:tc>
+                  <a:txBody>
+                    <a:bodyPr/>
+                    <a:lstStyle/>
+                    <a:p>
+                      <a:pPr algn="ctr"/>
+                      <a:r>
+                        <a:rPr lang="en-US" dirty="0">
+                          <a:latin typeface="Times New Roman" panose="02020603050405020304" pitchFamily="18" charset="0"/>
+                          <a:cs typeface="Times New Roman" panose="02020603050405020304" pitchFamily="18" charset="0"/>
+                        </a:rPr>
+                        <a:t>1</a:t>
+                      </a:r>
+                    </a:p>
+                  </a:txBody>
+                  <a:tcPr/>
+                </a:tc>
+                <a:tc>
+                  <a:txBody>
+                    <a:bodyPr/>
+                    <a:lstStyle/>
+                    <a:p>
+                      <a:pPr algn="ctr"/>
+                      <a:r>
+                        <a:rPr lang="en-US" dirty="0">
+                          <a:latin typeface="Times New Roman" panose="02020603050405020304" pitchFamily="18" charset="0"/>
+                          <a:cs typeface="Times New Roman" panose="02020603050405020304" pitchFamily="18" charset="0"/>
+                        </a:rPr>
+                        <a:t>0</a:t>
+                      </a:r>
+                    </a:p>
+                  </a:txBody>
+                  <a:tcPr/>
+                </a:tc>
+                <a:extLst>
+                  <a:ext uri="{0D108BD9-81ED-4DB2-BD59-A6C34878D82A}">
+                    <a16:rowId xmlns:a16="http://schemas.microsoft.com/office/drawing/2014/main" val="165609456"/>
+                  </a:ext>
+                </a:extLst>
+              </a:tr>
+              <a:tr h="370840">
+                <a:tc>
+                  <a:txBody>
+                    <a:bodyPr/>
+                    <a:lstStyle/>
+                    <a:p>
+                      <a:pPr algn="ctr"/>
+                      <a:r>
+                        <a:rPr lang="en-US" dirty="0">
+                          <a:latin typeface="Times New Roman" panose="02020603050405020304" pitchFamily="18" charset="0"/>
+                          <a:cs typeface="Times New Roman" panose="02020603050405020304" pitchFamily="18" charset="0"/>
+                        </a:rPr>
+                        <a:t>0</a:t>
+                      </a:r>
+                    </a:p>
+                  </a:txBody>
+                  <a:tcPr/>
+                </a:tc>
+                <a:tc>
+                  <a:txBody>
+                    <a:bodyPr/>
+                    <a:lstStyle/>
+                    <a:p>
+                      <a:pPr algn="ctr"/>
+                      <a:r>
+                        <a:rPr lang="en-US" dirty="0">
+                          <a:latin typeface="Times New Roman" panose="02020603050405020304" pitchFamily="18" charset="0"/>
+                          <a:cs typeface="Times New Roman" panose="02020603050405020304" pitchFamily="18" charset="0"/>
+                        </a:rPr>
+                        <a:t>1</a:t>
+                      </a:r>
+                    </a:p>
+                  </a:txBody>
+                  <a:tcPr/>
+                </a:tc>
+                <a:tc>
+                  <a:txBody>
+                    <a:bodyPr/>
+                    <a:lstStyle/>
+                    <a:p>
+                      <a:pPr algn="ctr"/>
+                      <a:r>
+                        <a:rPr lang="en-US" dirty="0">
+                          <a:latin typeface="Times New Roman" panose="02020603050405020304" pitchFamily="18" charset="0"/>
+                          <a:cs typeface="Times New Roman" panose="02020603050405020304" pitchFamily="18" charset="0"/>
+                        </a:rPr>
+                        <a:t>0</a:t>
+                      </a:r>
+                    </a:p>
+                  </a:txBody>
+                  <a:tcPr/>
+                </a:tc>
+                <a:tc>
+                  <a:txBody>
+                    <a:bodyPr/>
+                    <a:lstStyle/>
+                    <a:p>
+                      <a:pPr algn="ctr"/>
+                      <a:r>
+                        <a:rPr lang="en-US" dirty="0">
+                          <a:latin typeface="Times New Roman" panose="02020603050405020304" pitchFamily="18" charset="0"/>
+                          <a:cs typeface="Times New Roman" panose="02020603050405020304" pitchFamily="18" charset="0"/>
+                        </a:rPr>
+                        <a:t>1</a:t>
+                      </a:r>
+                    </a:p>
+                  </a:txBody>
+                  <a:tcPr/>
+                </a:tc>
+                <a:tc>
+                  <a:txBody>
+                    <a:bodyPr/>
+                    <a:lstStyle/>
+                    <a:p>
+                      <a:pPr algn="ctr"/>
+                      <a:r>
+                        <a:rPr lang="en-US" dirty="0">
+                          <a:latin typeface="Times New Roman" panose="02020603050405020304" pitchFamily="18" charset="0"/>
+                          <a:cs typeface="Times New Roman" panose="02020603050405020304" pitchFamily="18" charset="0"/>
+                        </a:rPr>
+                        <a:t>1</a:t>
+                      </a:r>
+                    </a:p>
+                  </a:txBody>
+                  <a:tcPr/>
+                </a:tc>
+                <a:extLst>
+                  <a:ext uri="{0D108BD9-81ED-4DB2-BD59-A6C34878D82A}">
+                    <a16:rowId xmlns:a16="http://schemas.microsoft.com/office/drawing/2014/main" val="285159250"/>
+                  </a:ext>
+                </a:extLst>
+              </a:tr>
+              <a:tr h="370840">
+                <a:tc>
+                  <a:txBody>
+                    <a:bodyPr/>
+                    <a:lstStyle/>
+                    <a:p>
+                      <a:pPr algn="ctr"/>
+                      <a:r>
+                        <a:rPr lang="en-US" dirty="0">
+                          <a:latin typeface="Times New Roman" panose="02020603050405020304" pitchFamily="18" charset="0"/>
+                          <a:cs typeface="Times New Roman" panose="02020603050405020304" pitchFamily="18" charset="0"/>
+                        </a:rPr>
+                        <a:t>1</a:t>
+                      </a:r>
+                    </a:p>
+                  </a:txBody>
+                  <a:tcPr/>
+                </a:tc>
+                <a:tc>
+                  <a:txBody>
+                    <a:bodyPr/>
+                    <a:lstStyle/>
+                    <a:p>
+                      <a:pPr algn="ctr"/>
+                      <a:r>
+                        <a:rPr lang="en-US" dirty="0">
+                          <a:latin typeface="Times New Roman" panose="02020603050405020304" pitchFamily="18" charset="0"/>
+                          <a:cs typeface="Times New Roman" panose="02020603050405020304" pitchFamily="18" charset="0"/>
+                        </a:rPr>
+                        <a:t>1</a:t>
+                      </a:r>
+                    </a:p>
+                  </a:txBody>
+                  <a:tcPr/>
+                </a:tc>
+                <a:tc>
+                  <a:txBody>
+                    <a:bodyPr/>
+                    <a:lstStyle/>
+                    <a:p>
+                      <a:pPr algn="ctr"/>
+                      <a:r>
+                        <a:rPr lang="en-US" dirty="0">
+                          <a:latin typeface="Times New Roman" panose="02020603050405020304" pitchFamily="18" charset="0"/>
+                          <a:cs typeface="Times New Roman" panose="02020603050405020304" pitchFamily="18" charset="0"/>
+                        </a:rPr>
+                        <a:t>1</a:t>
+                      </a:r>
+                    </a:p>
+                  </a:txBody>
+                  <a:tcPr/>
+                </a:tc>
+                <a:tc>
+                  <a:txBody>
+                    <a:bodyPr/>
+                    <a:lstStyle/>
+                    <a:p>
+                      <a:pPr algn="ctr"/>
+                      <a:r>
+                        <a:rPr lang="en-US" dirty="0">
+                          <a:latin typeface="Times New Roman" panose="02020603050405020304" pitchFamily="18" charset="0"/>
+                          <a:cs typeface="Times New Roman" panose="02020603050405020304" pitchFamily="18" charset="0"/>
+                        </a:rPr>
+                        <a:t>1</a:t>
+                      </a:r>
+                    </a:p>
+                  </a:txBody>
+                  <a:tcPr/>
+                </a:tc>
+                <a:tc>
+                  <a:txBody>
+                    <a:bodyPr/>
+                    <a:lstStyle/>
+                    <a:p>
+                      <a:pPr algn="ctr"/>
+                      <a:r>
+                        <a:rPr lang="en-US" dirty="0">
+                          <a:latin typeface="Times New Roman" panose="02020603050405020304" pitchFamily="18" charset="0"/>
+                          <a:cs typeface="Times New Roman" panose="02020603050405020304" pitchFamily="18" charset="0"/>
+                        </a:rPr>
+                        <a:t>0</a:t>
+                      </a:r>
+                    </a:p>
+                  </a:txBody>
+                  <a:tcPr/>
+                </a:tc>
+                <a:extLst>
+                  <a:ext uri="{0D108BD9-81ED-4DB2-BD59-A6C34878D82A}">
+                    <a16:rowId xmlns:a16="http://schemas.microsoft.com/office/drawing/2014/main" val="2617789153"/>
+                  </a:ext>
+                </a:extLst>
+              </a:tr>
+            </a:tbl>
+          </a:graphicData>
+        </a:graphic>
+      </p:graphicFrame>
+    </p:spTree>
+    <p:extLst>
+      <p:ext uri="{BB962C8B-B14F-4D97-AF65-F5344CB8AC3E}">
+        <p14:creationId xmlns:p14="http://schemas.microsoft.com/office/powerpoint/2010/main" val="2663932874"/>
+      </p:ext>
+    </p:extLst>
+  </p:cSld>
+  <p:clrMapOvr>
+    <a:masterClrMapping/>
+  </p:clrMapOvr>
+  <p:transition>
+    <p:random/>
+  </p:transition>
+</p:sld>
+</file>
+
+<file path=ppt/slides/slide17.xml><?xml version="1.0" encoding="utf-8"?>
+<p:sld xmlns:a="http://schemas.openxmlformats.org/drawingml/2006/main" xmlns:r="http://schemas.openxmlformats.org/officeDocument/2006/relationships" xmlns:p="http://schemas.openxmlformats.org/presentationml/2006/main">
+  <p:cSld>
+    <p:spTree>
+      <p:nvGrpSpPr>
+        <p:cNvPr id="1" name=""/>
+        <p:cNvGrpSpPr/>
+        <p:nvPr/>
+      </p:nvGrpSpPr>
+      <p:grpSpPr>
+        <a:xfrm>
+          <a:off x="0" y="0"/>
+          <a:ext cx="0" cy="0"/>
+          <a:chOff x="0" y="0"/>
+          <a:chExt cx="0" cy="0"/>
+        </a:xfrm>
+      </p:grpSpPr>
+      <p:sp>
+        <p:nvSpPr>
+          <p:cNvPr id="33794" name="Title 2">
+            <a:extLst>
+              <a:ext uri="{FF2B5EF4-FFF2-40B4-BE49-F238E27FC236}">
+                <a16:creationId xmlns:a16="http://schemas.microsoft.com/office/drawing/2014/main" id="{E9DB568C-DDFB-4A5E-91BE-2DAE7D1C5A0F}"/>
+              </a:ext>
+            </a:extLst>
+          </p:cNvPr>
+          <p:cNvSpPr>
+            <a:spLocks noGrp="1" noChangeArrowheads="1"/>
+          </p:cNvSpPr>
+          <p:nvPr>
+            <p:ph type="title"/>
+          </p:nvPr>
+        </p:nvSpPr>
+        <p:spPr>
+          <a:xfrm>
+            <a:off x="0" y="0"/>
+            <a:ext cx="12192000" cy="685800"/>
+          </a:xfrm>
+          <a:solidFill>
+            <a:schemeClr val="accent1">
+              <a:lumMod val="75000"/>
+            </a:schemeClr>
+          </a:solidFill>
+        </p:spPr>
+        <p:txBody>
+          <a:bodyPr/>
+          <a:lstStyle/>
+          <a:p>
+            <a:r>
+              <a:rPr lang="en-US" altLang="en-US" dirty="0">
+                <a:ln>
+                  <a:noFill/>
+                </a:ln>
+                <a:latin typeface="Times New Roman" panose="02020603050405020304" pitchFamily="18" charset="0"/>
+                <a:cs typeface="Times New Roman" panose="02020603050405020304" pitchFamily="18" charset="0"/>
+              </a:rPr>
+              <a:t>Some basic Operators</a:t>
+            </a:r>
+          </a:p>
+        </p:txBody>
+      </p:sp>
+      <p:sp>
+        <p:nvSpPr>
+          <p:cNvPr id="4" name="Slide Number Placeholder 3">
+            <a:extLst>
+              <a:ext uri="{FF2B5EF4-FFF2-40B4-BE49-F238E27FC236}">
+                <a16:creationId xmlns:a16="http://schemas.microsoft.com/office/drawing/2014/main" id="{B881CD7C-E4B5-43C8-BE7F-245851460E5D}"/>
+              </a:ext>
+            </a:extLst>
+          </p:cNvPr>
+          <p:cNvSpPr>
+            <a:spLocks noGrp="1"/>
+          </p:cNvSpPr>
+          <p:nvPr>
+            <p:ph type="sldNum" sz="quarter" idx="10"/>
+          </p:nvPr>
+        </p:nvSpPr>
+        <p:spPr/>
+        <p:txBody>
+          <a:bodyPr/>
+          <a:lstStyle/>
+          <a:p>
+            <a:pPr>
+              <a:defRPr/>
+            </a:pPr>
+            <a:fld id="{F6FC9C8E-0622-48DE-805E-8149CB419E80}" type="slidenum">
+              <a:rPr lang="en-US"/>
+              <a:pPr>
+                <a:defRPr/>
+              </a:pPr>
+              <a:t>17</a:t>
+            </a:fld>
+            <a:endParaRPr lang="en-US" dirty="0"/>
+          </a:p>
+        </p:txBody>
+      </p:sp>
+      <p:sp>
+        <p:nvSpPr>
+          <p:cNvPr id="6" name="Rectangle 5">
+            <a:extLst>
+              <a:ext uri="{FF2B5EF4-FFF2-40B4-BE49-F238E27FC236}">
+                <a16:creationId xmlns:a16="http://schemas.microsoft.com/office/drawing/2014/main" id="{963983BB-B174-4DE7-BCAA-5C1D901BA37E}"/>
+              </a:ext>
+            </a:extLst>
+          </p:cNvPr>
+          <p:cNvSpPr/>
+          <p:nvPr/>
+        </p:nvSpPr>
+        <p:spPr>
+          <a:xfrm>
+            <a:off x="1752600" y="1295400"/>
+            <a:ext cx="9520029" cy="3970318"/>
+          </a:xfrm>
+          <a:prstGeom prst="rect">
+            <a:avLst/>
+          </a:prstGeom>
+        </p:spPr>
+        <p:txBody>
+          <a:bodyPr wrap="square">
+            <a:spAutoFit/>
+          </a:bodyPr>
+          <a:lstStyle/>
+          <a:p>
+            <a:r>
+              <a:rPr lang="en-US" sz="2800" dirty="0">
+                <a:latin typeface="Times New Roman" panose="02020603050405020304" pitchFamily="18" charset="0"/>
+                <a:cs typeface="Times New Roman" panose="02020603050405020304" pitchFamily="18" charset="0"/>
+              </a:rPr>
+              <a:t>a </a:t>
+            </a:r>
+            <a:r>
+              <a:rPr lang="en-US" sz="2800" b="1" dirty="0">
+                <a:solidFill>
+                  <a:srgbClr val="FF0000"/>
+                </a:solidFill>
+                <a:latin typeface="Times New Roman" panose="02020603050405020304" pitchFamily="18" charset="0"/>
+                <a:cs typeface="Times New Roman" panose="02020603050405020304" pitchFamily="18" charset="0"/>
+              </a:rPr>
+              <a:t>+</a:t>
+            </a:r>
+            <a:r>
+              <a:rPr lang="en-US" sz="2800" dirty="0">
+                <a:latin typeface="Times New Roman" panose="02020603050405020304" pitchFamily="18" charset="0"/>
+                <a:cs typeface="Times New Roman" panose="02020603050405020304" pitchFamily="18" charset="0"/>
+              </a:rPr>
+              <a:t> b     a plus b</a:t>
+            </a:r>
+          </a:p>
+          <a:p>
+            <a:r>
+              <a:rPr lang="en-US" sz="2800" dirty="0">
+                <a:latin typeface="Times New Roman" panose="02020603050405020304" pitchFamily="18" charset="0"/>
+                <a:cs typeface="Times New Roman" panose="02020603050405020304" pitchFamily="18" charset="0"/>
+              </a:rPr>
+              <a:t>a </a:t>
+            </a:r>
+            <a:r>
+              <a:rPr lang="en-US" sz="2800" dirty="0">
+                <a:solidFill>
+                  <a:srgbClr val="FF0000"/>
+                </a:solidFill>
+                <a:latin typeface="Times New Roman" panose="02020603050405020304" pitchFamily="18" charset="0"/>
+                <a:cs typeface="Times New Roman" panose="02020603050405020304" pitchFamily="18" charset="0"/>
+              </a:rPr>
+              <a:t>-</a:t>
+            </a:r>
+            <a:r>
+              <a:rPr lang="en-US" sz="2800" dirty="0">
+                <a:latin typeface="Times New Roman" panose="02020603050405020304" pitchFamily="18" charset="0"/>
+                <a:cs typeface="Times New Roman" panose="02020603050405020304" pitchFamily="18" charset="0"/>
+              </a:rPr>
+              <a:t> b      a minus b</a:t>
+            </a:r>
+          </a:p>
+          <a:p>
+            <a:r>
+              <a:rPr lang="en-US" sz="2800" dirty="0">
+                <a:latin typeface="Times New Roman" panose="02020603050405020304" pitchFamily="18" charset="0"/>
+                <a:cs typeface="Times New Roman" panose="02020603050405020304" pitchFamily="18" charset="0"/>
+              </a:rPr>
+              <a:t>a </a:t>
+            </a:r>
+            <a:r>
+              <a:rPr lang="en-US" sz="2800" b="1" dirty="0">
+                <a:solidFill>
+                  <a:srgbClr val="FF0000"/>
+                </a:solidFill>
+                <a:latin typeface="Times New Roman" panose="02020603050405020304" pitchFamily="18" charset="0"/>
+                <a:cs typeface="Times New Roman" panose="02020603050405020304" pitchFamily="18" charset="0"/>
+              </a:rPr>
+              <a:t>*</a:t>
+            </a:r>
+            <a:r>
+              <a:rPr lang="en-US" sz="2800" dirty="0">
+                <a:latin typeface="Times New Roman" panose="02020603050405020304" pitchFamily="18" charset="0"/>
+                <a:cs typeface="Times New Roman" panose="02020603050405020304" pitchFamily="18" charset="0"/>
+              </a:rPr>
+              <a:t> b     a multiplied by b</a:t>
+            </a:r>
+          </a:p>
+          <a:p>
+            <a:r>
+              <a:rPr lang="en-US" sz="2800" dirty="0">
+                <a:latin typeface="Times New Roman" panose="02020603050405020304" pitchFamily="18" charset="0"/>
+                <a:cs typeface="Times New Roman" panose="02020603050405020304" pitchFamily="18" charset="0"/>
+              </a:rPr>
+              <a:t>a </a:t>
+            </a:r>
+            <a:r>
+              <a:rPr lang="en-US" sz="2800" b="1" dirty="0">
+                <a:solidFill>
+                  <a:srgbClr val="FF0000"/>
+                </a:solidFill>
+                <a:latin typeface="Times New Roman" panose="02020603050405020304" pitchFamily="18" charset="0"/>
+                <a:cs typeface="Times New Roman" panose="02020603050405020304" pitchFamily="18" charset="0"/>
+              </a:rPr>
+              <a:t>/</a:t>
+            </a:r>
+            <a:r>
+              <a:rPr lang="en-US" sz="2800" dirty="0">
+                <a:latin typeface="Times New Roman" panose="02020603050405020304" pitchFamily="18" charset="0"/>
+                <a:cs typeface="Times New Roman" panose="02020603050405020304" pitchFamily="18" charset="0"/>
+              </a:rPr>
+              <a:t> b      a divided by b</a:t>
+            </a:r>
+          </a:p>
+          <a:p>
+            <a:r>
+              <a:rPr lang="en-US" sz="2800" dirty="0">
+                <a:latin typeface="Times New Roman" panose="02020603050405020304" pitchFamily="18" charset="0"/>
+                <a:cs typeface="Times New Roman" panose="02020603050405020304" pitchFamily="18" charset="0"/>
+              </a:rPr>
+              <a:t>a </a:t>
+            </a:r>
+            <a:r>
+              <a:rPr lang="en-US" sz="2800" b="1" dirty="0">
+                <a:solidFill>
+                  <a:srgbClr val="FF0000"/>
+                </a:solidFill>
+                <a:latin typeface="Times New Roman" panose="02020603050405020304" pitchFamily="18" charset="0"/>
+                <a:cs typeface="Times New Roman" panose="02020603050405020304" pitchFamily="18" charset="0"/>
+              </a:rPr>
+              <a:t>%</a:t>
+            </a:r>
+            <a:r>
+              <a:rPr lang="en-US" sz="2800" dirty="0">
+                <a:latin typeface="Times New Roman" panose="02020603050405020304" pitchFamily="18" charset="0"/>
+                <a:cs typeface="Times New Roman" panose="02020603050405020304" pitchFamily="18" charset="0"/>
+              </a:rPr>
+              <a:t> b    a modulo b: the remainder of a divided by b  (7 % 2 = 1)</a:t>
+            </a:r>
+          </a:p>
+          <a:p>
+            <a:r>
+              <a:rPr lang="en-US" sz="2800" dirty="0">
+                <a:latin typeface="Times New Roman" panose="02020603050405020304" pitchFamily="18" charset="0"/>
+                <a:cs typeface="Times New Roman" panose="02020603050405020304" pitchFamily="18" charset="0"/>
+              </a:rPr>
+              <a:t>a </a:t>
+            </a:r>
+            <a:r>
+              <a:rPr lang="en-US" sz="2800" b="1" dirty="0">
+                <a:solidFill>
+                  <a:srgbClr val="FF0000"/>
+                </a:solidFill>
+                <a:latin typeface="Times New Roman" panose="02020603050405020304" pitchFamily="18" charset="0"/>
+                <a:cs typeface="Times New Roman" panose="02020603050405020304" pitchFamily="18" charset="0"/>
+              </a:rPr>
+              <a:t>^</a:t>
+            </a:r>
+            <a:r>
+              <a:rPr lang="en-US" sz="2800" dirty="0">
+                <a:latin typeface="Times New Roman" panose="02020603050405020304" pitchFamily="18" charset="0"/>
+                <a:cs typeface="Times New Roman" panose="02020603050405020304" pitchFamily="18" charset="0"/>
+              </a:rPr>
+              <a:t> b      a power b (for example, 2^2=4 or 2^3=8)</a:t>
+            </a:r>
+          </a:p>
+          <a:p>
+            <a:r>
+              <a:rPr lang="en-US" sz="2800" dirty="0">
+                <a:solidFill>
+                  <a:srgbClr val="FF0000"/>
+                </a:solidFill>
+                <a:latin typeface="Times New Roman" panose="02020603050405020304" pitchFamily="18" charset="0"/>
+                <a:cs typeface="Times New Roman" panose="02020603050405020304" pitchFamily="18" charset="0"/>
+              </a:rPr>
+              <a:t>() 		   </a:t>
+            </a:r>
+            <a:r>
+              <a:rPr lang="en-US" sz="2800" dirty="0">
+                <a:latin typeface="Times New Roman" panose="02020603050405020304" pitchFamily="18" charset="0"/>
+                <a:cs typeface="Times New Roman" panose="02020603050405020304" pitchFamily="18" charset="0"/>
+              </a:rPr>
+              <a:t>parentheses - for enforcing the operator </a:t>
+            </a:r>
+            <a:r>
+              <a:rPr lang="en-US" sz="2800" dirty="0">
+                <a:solidFill>
+                  <a:srgbClr val="FF0000"/>
+                </a:solidFill>
+                <a:latin typeface="Times New Roman" panose="02020603050405020304" pitchFamily="18" charset="0"/>
+                <a:cs typeface="Times New Roman" panose="02020603050405020304" pitchFamily="18" charset="0"/>
+              </a:rPr>
+              <a:t>precedence</a:t>
+            </a:r>
+            <a:r>
+              <a:rPr lang="en-US" sz="2800" dirty="0">
+                <a:latin typeface="Times New Roman" panose="02020603050405020304" pitchFamily="18" charset="0"/>
+                <a:cs typeface="Times New Roman" panose="02020603050405020304" pitchFamily="18" charset="0"/>
+              </a:rPr>
+              <a:t>: </a:t>
+            </a:r>
+          </a:p>
+          <a:p>
+            <a:r>
+              <a:rPr lang="en-US" sz="2800" dirty="0">
+                <a:latin typeface="Times New Roman" panose="02020603050405020304" pitchFamily="18" charset="0"/>
+                <a:cs typeface="Times New Roman" panose="02020603050405020304" pitchFamily="18" charset="0"/>
+              </a:rPr>
+              <a:t>			(1 + 1) * 3 = 2*3 = 6</a:t>
+            </a:r>
+          </a:p>
+          <a:p>
+            <a:r>
+              <a:rPr lang="en-US" sz="2800" dirty="0">
+                <a:solidFill>
+                  <a:srgbClr val="FF0000"/>
+                </a:solidFill>
+                <a:latin typeface="Times New Roman" panose="02020603050405020304" pitchFamily="18" charset="0"/>
+                <a:cs typeface="Times New Roman" panose="02020603050405020304" pitchFamily="18" charset="0"/>
+              </a:rPr>
+              <a:t>unary plus and minus</a:t>
+            </a:r>
+            <a:r>
+              <a:rPr lang="en-US" sz="2800" dirty="0">
+                <a:latin typeface="Times New Roman" panose="02020603050405020304" pitchFamily="18" charset="0"/>
+                <a:cs typeface="Times New Roman" panose="02020603050405020304" pitchFamily="18" charset="0"/>
+              </a:rPr>
+              <a:t>: </a:t>
+            </a:r>
+            <a:r>
+              <a:rPr lang="en-US" sz="2800" dirty="0">
+                <a:solidFill>
+                  <a:srgbClr val="FF0000"/>
+                </a:solidFill>
+                <a:latin typeface="Times New Roman" panose="02020603050405020304" pitchFamily="18" charset="0"/>
+                <a:cs typeface="Times New Roman" panose="02020603050405020304" pitchFamily="18" charset="0"/>
+              </a:rPr>
+              <a:t>-</a:t>
+            </a:r>
+            <a:r>
+              <a:rPr lang="en-US" sz="2800" dirty="0">
+                <a:latin typeface="Times New Roman" panose="02020603050405020304" pitchFamily="18" charset="0"/>
+                <a:cs typeface="Times New Roman" panose="02020603050405020304" pitchFamily="18" charset="0"/>
+              </a:rPr>
+              <a:t>12, </a:t>
+            </a:r>
+            <a:r>
+              <a:rPr lang="en-US" sz="2800" dirty="0">
+                <a:solidFill>
+                  <a:srgbClr val="FF0000"/>
+                </a:solidFill>
+                <a:latin typeface="Times New Roman" panose="02020603050405020304" pitchFamily="18" charset="0"/>
+                <a:cs typeface="Times New Roman" panose="02020603050405020304" pitchFamily="18" charset="0"/>
+              </a:rPr>
+              <a:t>+</a:t>
+            </a:r>
+            <a:r>
+              <a:rPr lang="en-US" sz="2800" dirty="0">
+                <a:latin typeface="Times New Roman" panose="02020603050405020304" pitchFamily="18" charset="0"/>
+                <a:cs typeface="Times New Roman" panose="02020603050405020304" pitchFamily="18" charset="0"/>
+              </a:rPr>
+              <a:t>5</a:t>
+            </a:r>
+          </a:p>
+        </p:txBody>
+      </p:sp>
+      <p:sp>
+        <p:nvSpPr>
+          <p:cNvPr id="9" name="Rectangle 8">
+            <a:extLst>
+              <a:ext uri="{FF2B5EF4-FFF2-40B4-BE49-F238E27FC236}">
+                <a16:creationId xmlns:a16="http://schemas.microsoft.com/office/drawing/2014/main" id="{6FBDE150-638C-4E64-93AB-F5FA77B19575}"/>
+              </a:ext>
+            </a:extLst>
+          </p:cNvPr>
+          <p:cNvSpPr/>
+          <p:nvPr/>
+        </p:nvSpPr>
+        <p:spPr>
+          <a:xfrm>
+            <a:off x="533399" y="695745"/>
+            <a:ext cx="11648661" cy="523220"/>
+          </a:xfrm>
+          <a:prstGeom prst="rect">
+            <a:avLst/>
+          </a:prstGeom>
+        </p:spPr>
+        <p:txBody>
+          <a:bodyPr wrap="square">
+            <a:spAutoFit/>
+          </a:bodyPr>
+          <a:lstStyle/>
+          <a:p>
+            <a:pPr marL="457200" indent="-457200">
+              <a:buFont typeface="Arial" panose="020B0604020202020204" pitchFamily="34" charset="0"/>
+              <a:buChar char="•"/>
+            </a:pPr>
+            <a:r>
+              <a:rPr lang="en-US" sz="2800" b="1" dirty="0">
+                <a:latin typeface="Times New Roman" panose="02020603050405020304" pitchFamily="18" charset="0"/>
+                <a:cs typeface="Times New Roman" panose="02020603050405020304" pitchFamily="18" charset="0"/>
+              </a:rPr>
+              <a:t>Calculation operators:</a:t>
+            </a:r>
+            <a:endParaRPr lang="en-US" sz="2800" dirty="0">
+              <a:latin typeface="Times New Roman" panose="02020603050405020304" pitchFamily="18" charset="0"/>
+              <a:cs typeface="Times New Roman" panose="02020603050405020304" pitchFamily="18" charset="0"/>
+            </a:endParaRPr>
+          </a:p>
+        </p:txBody>
+      </p:sp>
+    </p:spTree>
+    <p:extLst>
+      <p:ext uri="{BB962C8B-B14F-4D97-AF65-F5344CB8AC3E}">
+        <p14:creationId xmlns:p14="http://schemas.microsoft.com/office/powerpoint/2010/main" val="3380043404"/>
+      </p:ext>
+    </p:extLst>
+  </p:cSld>
+  <p:clrMapOvr>
+    <a:masterClrMapping/>
+  </p:clrMapOvr>
+  <p:transition>
+    <p:random/>
+  </p:transition>
+</p:sld>
+</file>
+
+<file path=ppt/slides/slide18.xml><?xml version="1.0" encoding="utf-8"?>
+<p:sld xmlns:a="http://schemas.openxmlformats.org/drawingml/2006/main" xmlns:r="http://schemas.openxmlformats.org/officeDocument/2006/relationships" xmlns:p="http://schemas.openxmlformats.org/presentationml/2006/main">
+  <p:cSld>
+    <p:spTree>
+      <p:nvGrpSpPr>
+        <p:cNvPr id="1" name=""/>
+        <p:cNvGrpSpPr/>
+        <p:nvPr/>
+      </p:nvGrpSpPr>
+      <p:grpSpPr>
+        <a:xfrm>
+          <a:off x="0" y="0"/>
+          <a:ext cx="0" cy="0"/>
+          <a:chOff x="0" y="0"/>
+          <a:chExt cx="0" cy="0"/>
+        </a:xfrm>
+      </p:grpSpPr>
+      <p:sp>
+        <p:nvSpPr>
+          <p:cNvPr id="33794" name="Title 2">
+            <a:extLst>
+              <a:ext uri="{FF2B5EF4-FFF2-40B4-BE49-F238E27FC236}">
+                <a16:creationId xmlns:a16="http://schemas.microsoft.com/office/drawing/2014/main" id="{E9DB568C-DDFB-4A5E-91BE-2DAE7D1C5A0F}"/>
+              </a:ext>
+            </a:extLst>
+          </p:cNvPr>
+          <p:cNvSpPr>
+            <a:spLocks noGrp="1" noChangeArrowheads="1"/>
+          </p:cNvSpPr>
+          <p:nvPr>
+            <p:ph type="title"/>
+          </p:nvPr>
+        </p:nvSpPr>
+        <p:spPr>
+          <a:xfrm>
+            <a:off x="0" y="0"/>
+            <a:ext cx="12192000" cy="685800"/>
+          </a:xfrm>
+          <a:solidFill>
+            <a:schemeClr val="accent1">
+              <a:lumMod val="75000"/>
+            </a:schemeClr>
+          </a:solidFill>
+        </p:spPr>
+        <p:txBody>
+          <a:bodyPr/>
+          <a:lstStyle/>
+          <a:p>
+            <a:r>
+              <a:rPr lang="en-US" altLang="en-US" dirty="0">
+                <a:ln>
+                  <a:noFill/>
+                </a:ln>
+                <a:latin typeface="Times New Roman" panose="02020603050405020304" pitchFamily="18" charset="0"/>
+                <a:cs typeface="Times New Roman" panose="02020603050405020304" pitchFamily="18" charset="0"/>
+              </a:rPr>
+              <a:t>Some basic Operators</a:t>
+            </a:r>
+          </a:p>
+        </p:txBody>
+      </p:sp>
+      <p:sp>
+        <p:nvSpPr>
+          <p:cNvPr id="4" name="Slide Number Placeholder 3">
+            <a:extLst>
+              <a:ext uri="{FF2B5EF4-FFF2-40B4-BE49-F238E27FC236}">
+                <a16:creationId xmlns:a16="http://schemas.microsoft.com/office/drawing/2014/main" id="{B881CD7C-E4B5-43C8-BE7F-245851460E5D}"/>
+              </a:ext>
+            </a:extLst>
+          </p:cNvPr>
+          <p:cNvSpPr>
+            <a:spLocks noGrp="1"/>
+          </p:cNvSpPr>
+          <p:nvPr>
+            <p:ph type="sldNum" sz="quarter" idx="10"/>
+          </p:nvPr>
+        </p:nvSpPr>
+        <p:spPr/>
+        <p:txBody>
+          <a:bodyPr/>
+          <a:lstStyle/>
+          <a:p>
+            <a:pPr>
+              <a:defRPr/>
+            </a:pPr>
+            <a:fld id="{F6FC9C8E-0622-48DE-805E-8149CB419E80}" type="slidenum">
+              <a:rPr lang="en-US"/>
+              <a:pPr>
+                <a:defRPr/>
+              </a:pPr>
+              <a:t>18</a:t>
+            </a:fld>
+            <a:endParaRPr lang="en-US" dirty="0"/>
+          </a:p>
+        </p:txBody>
+      </p:sp>
+      <p:sp>
+        <p:nvSpPr>
+          <p:cNvPr id="9" name="Rectangle 8">
+            <a:extLst>
+              <a:ext uri="{FF2B5EF4-FFF2-40B4-BE49-F238E27FC236}">
+                <a16:creationId xmlns:a16="http://schemas.microsoft.com/office/drawing/2014/main" id="{6FBDE150-638C-4E64-93AB-F5FA77B19575}"/>
+              </a:ext>
+            </a:extLst>
+          </p:cNvPr>
+          <p:cNvSpPr/>
+          <p:nvPr/>
+        </p:nvSpPr>
+        <p:spPr>
+          <a:xfrm>
+            <a:off x="533399" y="695745"/>
+            <a:ext cx="11648661" cy="2246769"/>
+          </a:xfrm>
+          <a:prstGeom prst="rect">
+            <a:avLst/>
+          </a:prstGeom>
+        </p:spPr>
+        <p:txBody>
+          <a:bodyPr wrap="square">
+            <a:spAutoFit/>
+          </a:bodyPr>
+          <a:lstStyle/>
+          <a:p>
+            <a:pPr marL="457200" indent="-457200">
+              <a:buFont typeface="Arial" panose="020B0604020202020204" pitchFamily="34" charset="0"/>
+              <a:buChar char="•"/>
+            </a:pPr>
+            <a:r>
+              <a:rPr lang="en-US" sz="2800" b="1" dirty="0">
+                <a:solidFill>
+                  <a:srgbClr val="FF0000"/>
+                </a:solidFill>
+                <a:latin typeface="Times New Roman" panose="02020603050405020304" pitchFamily="18" charset="0"/>
+                <a:cs typeface="Times New Roman" panose="02020603050405020304" pitchFamily="18" charset="0"/>
+              </a:rPr>
+              <a:t>Mathematical functions</a:t>
+            </a:r>
+            <a:r>
+              <a:rPr lang="en-US" sz="2800" b="1" dirty="0">
+                <a:latin typeface="Times New Roman" panose="02020603050405020304" pitchFamily="18" charset="0"/>
+                <a:cs typeface="Times New Roman" panose="02020603050405020304" pitchFamily="18" charset="0"/>
+              </a:rPr>
+              <a:t>: </a:t>
+            </a:r>
+            <a:r>
+              <a:rPr lang="en-US" sz="2800" dirty="0">
+                <a:latin typeface="Times New Roman" panose="02020603050405020304" pitchFamily="18" charset="0"/>
+                <a:cs typeface="Times New Roman" panose="02020603050405020304" pitchFamily="18" charset="0"/>
+              </a:rPr>
+              <a:t>sqrt, sin, cos, tan, </a:t>
+            </a:r>
+            <a:r>
+              <a:rPr lang="en-US" sz="2800" dirty="0" err="1">
+                <a:latin typeface="Times New Roman" panose="02020603050405020304" pitchFamily="18" charset="0"/>
+                <a:cs typeface="Times New Roman" panose="02020603050405020304" pitchFamily="18" charset="0"/>
+              </a:rPr>
+              <a:t>asin</a:t>
+            </a:r>
+            <a:r>
+              <a:rPr lang="en-US" sz="2800" dirty="0">
+                <a:latin typeface="Times New Roman" panose="02020603050405020304" pitchFamily="18" charset="0"/>
+                <a:cs typeface="Times New Roman" panose="02020603050405020304" pitchFamily="18" charset="0"/>
+              </a:rPr>
+              <a:t>, </a:t>
+            </a:r>
+            <a:r>
+              <a:rPr lang="en-US" sz="2800" dirty="0" err="1">
+                <a:latin typeface="Times New Roman" panose="02020603050405020304" pitchFamily="18" charset="0"/>
+                <a:cs typeface="Times New Roman" panose="02020603050405020304" pitchFamily="18" charset="0"/>
+              </a:rPr>
+              <a:t>acos</a:t>
+            </a:r>
+            <a:r>
+              <a:rPr lang="en-US" sz="2800" dirty="0">
+                <a:latin typeface="Times New Roman" panose="02020603050405020304" pitchFamily="18" charset="0"/>
+                <a:cs typeface="Times New Roman" panose="02020603050405020304" pitchFamily="18" charset="0"/>
+              </a:rPr>
+              <a:t>, </a:t>
+            </a:r>
+            <a:r>
+              <a:rPr lang="en-US" sz="2800" dirty="0" err="1">
+                <a:latin typeface="Times New Roman" panose="02020603050405020304" pitchFamily="18" charset="0"/>
+                <a:cs typeface="Times New Roman" panose="02020603050405020304" pitchFamily="18" charset="0"/>
+              </a:rPr>
+              <a:t>atan</a:t>
+            </a:r>
+            <a:endParaRPr lang="en-US" sz="2800" dirty="0">
+              <a:latin typeface="Times New Roman" panose="02020603050405020304" pitchFamily="18" charset="0"/>
+              <a:cs typeface="Times New Roman" panose="02020603050405020304" pitchFamily="18" charset="0"/>
+            </a:endParaRPr>
+          </a:p>
+          <a:p>
+            <a:pPr marL="457200" indent="-457200">
+              <a:buFont typeface="Arial" panose="020B0604020202020204" pitchFamily="34" charset="0"/>
+              <a:buChar char="•"/>
+            </a:pPr>
+            <a:r>
+              <a:rPr lang="en-US" sz="2800" b="1" dirty="0">
+                <a:solidFill>
+                  <a:srgbClr val="FF0000"/>
+                </a:solidFill>
+                <a:latin typeface="Times New Roman" panose="02020603050405020304" pitchFamily="18" charset="0"/>
+                <a:cs typeface="Times New Roman" panose="02020603050405020304" pitchFamily="18" charset="0"/>
+              </a:rPr>
+              <a:t>Conversion functions</a:t>
+            </a:r>
+            <a:r>
+              <a:rPr lang="en-US" sz="2800" b="1" dirty="0">
+                <a:latin typeface="Times New Roman" panose="02020603050405020304" pitchFamily="18" charset="0"/>
+                <a:cs typeface="Times New Roman" panose="02020603050405020304" pitchFamily="18" charset="0"/>
+              </a:rPr>
+              <a:t>: </a:t>
+            </a:r>
+            <a:r>
+              <a:rPr lang="en-US" sz="2800" dirty="0" err="1">
+                <a:latin typeface="Times New Roman" panose="02020603050405020304" pitchFamily="18" charset="0"/>
+                <a:cs typeface="Times New Roman" panose="02020603050405020304" pitchFamily="18" charset="0"/>
+              </a:rPr>
+              <a:t>to_int</a:t>
+            </a:r>
+            <a:r>
+              <a:rPr lang="en-US" sz="2800" dirty="0">
+                <a:latin typeface="Times New Roman" panose="02020603050405020304" pitchFamily="18" charset="0"/>
+                <a:cs typeface="Times New Roman" panose="02020603050405020304" pitchFamily="18" charset="0"/>
+              </a:rPr>
+              <a:t>, </a:t>
+            </a:r>
+            <a:r>
+              <a:rPr lang="en-US" sz="2800" dirty="0" err="1">
+                <a:latin typeface="Times New Roman" panose="02020603050405020304" pitchFamily="18" charset="0"/>
+                <a:cs typeface="Times New Roman" panose="02020603050405020304" pitchFamily="18" charset="0"/>
+              </a:rPr>
+              <a:t>to_real</a:t>
+            </a:r>
+            <a:r>
+              <a:rPr lang="en-US" sz="2800" dirty="0">
+                <a:latin typeface="Times New Roman" panose="02020603050405020304" pitchFamily="18" charset="0"/>
+                <a:cs typeface="Times New Roman" panose="02020603050405020304" pitchFamily="18" charset="0"/>
+              </a:rPr>
+              <a:t>, </a:t>
+            </a:r>
+            <a:r>
+              <a:rPr lang="en-US" sz="2800" dirty="0" err="1">
+                <a:latin typeface="Times New Roman" panose="02020603050405020304" pitchFamily="18" charset="0"/>
+                <a:cs typeface="Times New Roman" panose="02020603050405020304" pitchFamily="18" charset="0"/>
+              </a:rPr>
+              <a:t>to_string</a:t>
+            </a:r>
+            <a:r>
+              <a:rPr lang="en-US" sz="2800" dirty="0">
+                <a:latin typeface="Times New Roman" panose="02020603050405020304" pitchFamily="18" charset="0"/>
+                <a:cs typeface="Times New Roman" panose="02020603050405020304" pitchFamily="18" charset="0"/>
+              </a:rPr>
+              <a:t>, </a:t>
+            </a:r>
+            <a:r>
+              <a:rPr lang="en-US" sz="2800" dirty="0" err="1">
+                <a:latin typeface="Times New Roman" panose="02020603050405020304" pitchFamily="18" charset="0"/>
+                <a:cs typeface="Times New Roman" panose="02020603050405020304" pitchFamily="18" charset="0"/>
+              </a:rPr>
+              <a:t>to_date</a:t>
+            </a:r>
+            <a:endParaRPr lang="en-US" sz="2800" dirty="0">
+              <a:latin typeface="Times New Roman" panose="02020603050405020304" pitchFamily="18" charset="0"/>
+              <a:cs typeface="Times New Roman" panose="02020603050405020304" pitchFamily="18" charset="0"/>
+            </a:endParaRPr>
+          </a:p>
+          <a:p>
+            <a:pPr marL="457200" indent="-457200">
+              <a:buFont typeface="Arial" panose="020B0604020202020204" pitchFamily="34" charset="0"/>
+              <a:buChar char="•"/>
+            </a:pPr>
+            <a:r>
+              <a:rPr lang="en-US" sz="2800" b="1" dirty="0">
+                <a:solidFill>
+                  <a:srgbClr val="FF0000"/>
+                </a:solidFill>
+                <a:latin typeface="Times New Roman" panose="02020603050405020304" pitchFamily="18" charset="0"/>
+                <a:cs typeface="Times New Roman" panose="02020603050405020304" pitchFamily="18" charset="0"/>
+              </a:rPr>
+              <a:t>Geometry functions</a:t>
+            </a:r>
+            <a:r>
+              <a:rPr lang="en-US" sz="2800" b="1" dirty="0">
+                <a:latin typeface="Times New Roman" panose="02020603050405020304" pitchFamily="18" charset="0"/>
+                <a:cs typeface="Times New Roman" panose="02020603050405020304" pitchFamily="18" charset="0"/>
+              </a:rPr>
+              <a:t>: </a:t>
+            </a:r>
+            <a:r>
+              <a:rPr lang="en-US" sz="2800" dirty="0">
+                <a:latin typeface="Times New Roman" panose="02020603050405020304" pitchFamily="18" charset="0"/>
+                <a:cs typeface="Times New Roman" panose="02020603050405020304" pitchFamily="18" charset="0"/>
+              </a:rPr>
+              <a:t>$area, $length</a:t>
+            </a:r>
+          </a:p>
+          <a:p>
+            <a:pPr marL="457200" indent="-457200">
+              <a:buFont typeface="Arial" panose="020B0604020202020204" pitchFamily="34" charset="0"/>
+              <a:buChar char="•"/>
+            </a:pPr>
+            <a:r>
+              <a:rPr lang="en-US" sz="2800" b="1" dirty="0">
+                <a:solidFill>
+                  <a:srgbClr val="FF0000"/>
+                </a:solidFill>
+                <a:latin typeface="Times New Roman" panose="02020603050405020304" pitchFamily="18" charset="0"/>
+                <a:cs typeface="Times New Roman" panose="02020603050405020304" pitchFamily="18" charset="0"/>
+              </a:rPr>
+              <a:t>Geometry handling functions</a:t>
+            </a:r>
+            <a:r>
+              <a:rPr lang="en-US" sz="2800" b="1" dirty="0">
+                <a:latin typeface="Times New Roman" panose="02020603050405020304" pitchFamily="18" charset="0"/>
+                <a:cs typeface="Times New Roman" panose="02020603050405020304" pitchFamily="18" charset="0"/>
+              </a:rPr>
+              <a:t>: </a:t>
+            </a:r>
+            <a:r>
+              <a:rPr lang="en-US" sz="2800" dirty="0">
+                <a:latin typeface="Times New Roman" panose="02020603050405020304" pitchFamily="18" charset="0"/>
+                <a:cs typeface="Times New Roman" panose="02020603050405020304" pitchFamily="18" charset="0"/>
+              </a:rPr>
+              <a:t>$x, $y, $geometry, </a:t>
+            </a:r>
+            <a:r>
+              <a:rPr lang="en-US" sz="2800" dirty="0" err="1">
+                <a:latin typeface="Times New Roman" panose="02020603050405020304" pitchFamily="18" charset="0"/>
+                <a:cs typeface="Times New Roman" panose="02020603050405020304" pitchFamily="18" charset="0"/>
+              </a:rPr>
+              <a:t>num_geometries</a:t>
+            </a:r>
+            <a:r>
+              <a:rPr lang="en-US" sz="2800" dirty="0">
+                <a:latin typeface="Times New Roman" panose="02020603050405020304" pitchFamily="18" charset="0"/>
+                <a:cs typeface="Times New Roman" panose="02020603050405020304" pitchFamily="18" charset="0"/>
+              </a:rPr>
+              <a:t>, centroid</a:t>
+            </a:r>
+          </a:p>
+        </p:txBody>
+      </p:sp>
+    </p:spTree>
+    <p:extLst>
+      <p:ext uri="{BB962C8B-B14F-4D97-AF65-F5344CB8AC3E}">
+        <p14:creationId xmlns:p14="http://schemas.microsoft.com/office/powerpoint/2010/main" val="3100554840"/>
+      </p:ext>
+    </p:extLst>
+  </p:cSld>
+  <p:clrMapOvr>
+    <a:masterClrMapping/>
+  </p:clrMapOvr>
+  <p:transition>
+    <p:random/>
+  </p:transition>
+</p:sld>
+</file>
+
+<file path=ppt/slides/slide19.xml><?xml version="1.0" encoding="utf-8"?>
+<p:sld xmlns:a="http://schemas.openxmlformats.org/drawingml/2006/main" xmlns:r="http://schemas.openxmlformats.org/officeDocument/2006/relationships" xmlns:p="http://schemas.openxmlformats.org/presentationml/2006/main">
+  <p:cSld>
+    <p:spTree>
+      <p:nvGrpSpPr>
+        <p:cNvPr id="1" name=""/>
+        <p:cNvGrpSpPr/>
+        <p:nvPr/>
+      </p:nvGrpSpPr>
+      <p:grpSpPr>
+        <a:xfrm>
+          <a:off x="0" y="0"/>
+          <a:ext cx="0" cy="0"/>
+          <a:chOff x="0" y="0"/>
+          <a:chExt cx="0" cy="0"/>
+        </a:xfrm>
+      </p:grpSpPr>
+      <p:sp>
+        <p:nvSpPr>
+          <p:cNvPr id="33794" name="Title 2">
+            <a:extLst>
+              <a:ext uri="{FF2B5EF4-FFF2-40B4-BE49-F238E27FC236}">
+                <a16:creationId xmlns:a16="http://schemas.microsoft.com/office/drawing/2014/main" id="{E9DB568C-DDFB-4A5E-91BE-2DAE7D1C5A0F}"/>
+              </a:ext>
+            </a:extLst>
+          </p:cNvPr>
+          <p:cNvSpPr>
+            <a:spLocks noGrp="1" noChangeArrowheads="1"/>
+          </p:cNvSpPr>
+          <p:nvPr>
+            <p:ph type="title"/>
+          </p:nvPr>
+        </p:nvSpPr>
+        <p:spPr>
+          <a:xfrm>
+            <a:off x="0" y="0"/>
+            <a:ext cx="12192000" cy="685800"/>
+          </a:xfrm>
+          <a:solidFill>
+            <a:schemeClr val="accent1">
+              <a:lumMod val="75000"/>
+            </a:schemeClr>
+          </a:solidFill>
+        </p:spPr>
+        <p:txBody>
+          <a:bodyPr/>
+          <a:lstStyle/>
+          <a:p>
+            <a:r>
+              <a:rPr lang="en-US" altLang="en-US" dirty="0">
+                <a:ln>
+                  <a:noFill/>
+                </a:ln>
+                <a:latin typeface="Times New Roman" panose="02020603050405020304" pitchFamily="18" charset="0"/>
+                <a:cs typeface="Times New Roman" panose="02020603050405020304" pitchFamily="18" charset="0"/>
+              </a:rPr>
+              <a:t>Some basic Operators</a:t>
+            </a:r>
+          </a:p>
+        </p:txBody>
+      </p:sp>
+      <p:sp>
+        <p:nvSpPr>
+          <p:cNvPr id="4" name="Slide Number Placeholder 3">
+            <a:extLst>
+              <a:ext uri="{FF2B5EF4-FFF2-40B4-BE49-F238E27FC236}">
+                <a16:creationId xmlns:a16="http://schemas.microsoft.com/office/drawing/2014/main" id="{B881CD7C-E4B5-43C8-BE7F-245851460E5D}"/>
+              </a:ext>
+            </a:extLst>
+          </p:cNvPr>
+          <p:cNvSpPr>
+            <a:spLocks noGrp="1"/>
+          </p:cNvSpPr>
+          <p:nvPr>
+            <p:ph type="sldNum" sz="quarter" idx="10"/>
+          </p:nvPr>
+        </p:nvSpPr>
+        <p:spPr/>
+        <p:txBody>
+          <a:bodyPr/>
+          <a:lstStyle/>
+          <a:p>
+            <a:pPr>
+              <a:defRPr/>
+            </a:pPr>
+            <a:fld id="{F6FC9C8E-0622-48DE-805E-8149CB419E80}" type="slidenum">
+              <a:rPr lang="en-US"/>
+              <a:pPr>
+                <a:defRPr/>
+              </a:pPr>
+              <a:t>19</a:t>
+            </a:fld>
+            <a:endParaRPr lang="en-US" dirty="0"/>
+          </a:p>
+        </p:txBody>
+      </p:sp>
+      <p:graphicFrame>
+        <p:nvGraphicFramePr>
+          <p:cNvPr id="2" name="Table 1">
+            <a:extLst>
+              <a:ext uri="{FF2B5EF4-FFF2-40B4-BE49-F238E27FC236}">
+                <a16:creationId xmlns:a16="http://schemas.microsoft.com/office/drawing/2014/main" id="{7F8BDB9F-38D8-48C8-9F8B-D0395019637A}"/>
+              </a:ext>
+            </a:extLst>
+          </p:cNvPr>
+          <p:cNvGraphicFramePr>
+            <a:graphicFrameLocks noGrp="1"/>
+          </p:cNvGraphicFramePr>
+          <p:nvPr>
+            <p:extLst>
+              <p:ext uri="{D42A27DB-BD31-4B8C-83A1-F6EECF244321}">
+                <p14:modId xmlns:p14="http://schemas.microsoft.com/office/powerpoint/2010/main" val="424201553"/>
+              </p:ext>
+            </p:extLst>
+          </p:nvPr>
+        </p:nvGraphicFramePr>
+        <p:xfrm>
+          <a:off x="685800" y="838200"/>
+          <a:ext cx="10439400" cy="4815840"/>
+        </p:xfrm>
+        <a:graphic>
+          <a:graphicData uri="http://schemas.openxmlformats.org/drawingml/2006/table">
+            <a:tbl>
+              <a:tblPr firstRow="1" bandRow="1">
+                <a:tableStyleId>{5940675A-B579-460E-94D1-54222C63F5DA}</a:tableStyleId>
+              </a:tblPr>
+              <a:tblGrid>
+                <a:gridCol w="4572000">
+                  <a:extLst>
+                    <a:ext uri="{9D8B030D-6E8A-4147-A177-3AD203B41FA5}">
+                      <a16:colId xmlns:a16="http://schemas.microsoft.com/office/drawing/2014/main" val="366786432"/>
+                    </a:ext>
+                  </a:extLst>
+                </a:gridCol>
+                <a:gridCol w="5867400">
+                  <a:extLst>
+                    <a:ext uri="{9D8B030D-6E8A-4147-A177-3AD203B41FA5}">
+                      <a16:colId xmlns:a16="http://schemas.microsoft.com/office/drawing/2014/main" val="1411664165"/>
+                    </a:ext>
+                  </a:extLst>
+                </a:gridCol>
+              </a:tblGrid>
+              <a:tr h="370840">
+                <a:tc>
+                  <a:txBody>
+                    <a:bodyPr/>
+                    <a:lstStyle/>
+                    <a:p>
+                      <a:r>
+                        <a:rPr lang="en-US" sz="2000" b="1" dirty="0">
+                          <a:solidFill>
+                            <a:srgbClr val="FF0000"/>
+                          </a:solidFill>
+                          <a:latin typeface="Times New Roman" panose="02020603050405020304" pitchFamily="18" charset="0"/>
+                          <a:cs typeface="Times New Roman" panose="02020603050405020304" pitchFamily="18" charset="0"/>
+                        </a:rPr>
+                        <a:t>||</a:t>
+                      </a:r>
+                    </a:p>
+                  </a:txBody>
+                  <a:tcPr/>
+                </a:tc>
+                <a:tc>
+                  <a:txBody>
+                    <a:bodyPr/>
+                    <a:lstStyle/>
+                    <a:p>
+                      <a:r>
+                        <a:rPr lang="en-US" sz="2000" dirty="0">
+                          <a:latin typeface="Times New Roman" panose="02020603050405020304" pitchFamily="18" charset="0"/>
+                          <a:cs typeface="Times New Roman" panose="02020603050405020304" pitchFamily="18" charset="0"/>
+                        </a:rPr>
+                        <a:t>joins two values together into a string:</a:t>
+                      </a:r>
+                    </a:p>
+                    <a:p>
+                      <a:r>
+                        <a:rPr lang="en-US" sz="2000" b="0" i="0" kern="1200" dirty="0" err="1">
+                          <a:solidFill>
+                            <a:schemeClr val="tx1"/>
+                          </a:solidFill>
+                          <a:effectLst/>
+                          <a:latin typeface="Times New Roman" panose="02020603050405020304" pitchFamily="18" charset="0"/>
+                          <a:ea typeface="+mn-ea"/>
+                          <a:cs typeface="Times New Roman" panose="02020603050405020304" pitchFamily="18" charset="0"/>
+                        </a:rPr>
+                        <a:t>E.g</a:t>
+                      </a:r>
+                      <a:r>
+                        <a:rPr lang="en-US" sz="2000" dirty="0">
+                          <a:latin typeface="Times New Roman" panose="02020603050405020304" pitchFamily="18" charset="0"/>
+                          <a:cs typeface="Times New Roman" panose="02020603050405020304" pitchFamily="18" charset="0"/>
+                        </a:rPr>
+                        <a:t>:  'Hello' || ' world’ = ‘Hello World’</a:t>
+                      </a:r>
+                    </a:p>
+                    <a:p>
+                      <a:endParaRPr lang="en-US" sz="2000" b="0" dirty="0">
+                        <a:latin typeface="Times New Roman" panose="02020603050405020304" pitchFamily="18" charset="0"/>
+                        <a:cs typeface="Times New Roman" panose="02020603050405020304" pitchFamily="18" charset="0"/>
+                      </a:endParaRPr>
+                    </a:p>
+                  </a:txBody>
+                  <a:tcPr/>
+                </a:tc>
+                <a:extLst>
+                  <a:ext uri="{0D108BD9-81ED-4DB2-BD59-A6C34878D82A}">
+                    <a16:rowId xmlns:a16="http://schemas.microsoft.com/office/drawing/2014/main" val="1631233411"/>
+                  </a:ext>
+                </a:extLst>
+              </a:tr>
+              <a:tr h="370840">
+                <a:tc>
+                  <a:txBody>
+                    <a:bodyPr/>
+                    <a:lstStyle/>
+                    <a:p>
+                      <a:r>
+                        <a:rPr lang="en-US" sz="2000" dirty="0">
+                          <a:latin typeface="Times New Roman" panose="02020603050405020304" pitchFamily="18" charset="0"/>
+                          <a:cs typeface="Times New Roman" panose="02020603050405020304" pitchFamily="18" charset="0"/>
+                        </a:rPr>
+                        <a:t>Pattern matching: </a:t>
+                      </a:r>
+                      <a:r>
+                        <a:rPr lang="en-US" sz="2000" b="1" dirty="0">
+                          <a:solidFill>
+                            <a:srgbClr val="FF0000"/>
+                          </a:solidFill>
+                          <a:latin typeface="Times New Roman" panose="02020603050405020304" pitchFamily="18" charset="0"/>
+                          <a:cs typeface="Times New Roman" panose="02020603050405020304" pitchFamily="18" charset="0"/>
+                        </a:rPr>
+                        <a:t>LIKE</a:t>
+                      </a:r>
+                      <a:r>
+                        <a:rPr lang="en-US" sz="2000" dirty="0">
+                          <a:latin typeface="Times New Roman" panose="02020603050405020304" pitchFamily="18" charset="0"/>
+                          <a:cs typeface="Times New Roman" panose="02020603050405020304" pitchFamily="18" charset="0"/>
+                        </a:rPr>
+                        <a:t> (using wild card character </a:t>
+                      </a:r>
+                      <a:r>
+                        <a:rPr lang="en-US" sz="2000" b="1" dirty="0">
+                          <a:solidFill>
+                            <a:srgbClr val="FF0000"/>
+                          </a:solidFill>
+                          <a:latin typeface="Times New Roman" panose="02020603050405020304" pitchFamily="18" charset="0"/>
+                          <a:cs typeface="Times New Roman" panose="02020603050405020304" pitchFamily="18" charset="0"/>
+                        </a:rPr>
+                        <a:t>%</a:t>
+                      </a:r>
+                      <a:r>
+                        <a:rPr lang="en-US" sz="2000" dirty="0">
+                          <a:latin typeface="Times New Roman" panose="02020603050405020304" pitchFamily="18" charset="0"/>
+                          <a:cs typeface="Times New Roman" panose="02020603050405020304" pitchFamily="18" charset="0"/>
+                        </a:rPr>
+                        <a:t> (</a:t>
+                      </a:r>
+                      <a:r>
+                        <a:rPr lang="en-US" sz="2000" kern="1200" dirty="0">
+                          <a:effectLst/>
+                          <a:latin typeface="Times New Roman" panose="02020603050405020304" pitchFamily="18" charset="0"/>
+                          <a:cs typeface="Times New Roman" panose="02020603050405020304" pitchFamily="18" charset="0"/>
+                        </a:rPr>
+                        <a:t>zero or more characters</a:t>
+                      </a:r>
+                      <a:r>
+                        <a:rPr lang="en-US" sz="2000" dirty="0">
+                          <a:latin typeface="Times New Roman" panose="02020603050405020304" pitchFamily="18" charset="0"/>
+                          <a:cs typeface="Times New Roman" panose="02020603050405020304" pitchFamily="18" charset="0"/>
+                        </a:rPr>
+                        <a:t>) or </a:t>
+                      </a:r>
+                      <a:r>
+                        <a:rPr lang="en-US" sz="2000" b="1" dirty="0">
+                          <a:solidFill>
+                            <a:srgbClr val="FF0000"/>
+                          </a:solidFill>
+                          <a:latin typeface="Times New Roman" panose="02020603050405020304" pitchFamily="18" charset="0"/>
+                          <a:cs typeface="Times New Roman" panose="02020603050405020304" pitchFamily="18" charset="0"/>
+                        </a:rPr>
+                        <a:t>_</a:t>
+                      </a:r>
+                      <a:r>
+                        <a:rPr lang="en-US" sz="2000" dirty="0">
+                          <a:latin typeface="Times New Roman" panose="02020603050405020304" pitchFamily="18" charset="0"/>
+                          <a:cs typeface="Times New Roman" panose="02020603050405020304" pitchFamily="18" charset="0"/>
+                        </a:rPr>
+                        <a:t> (</a:t>
+                      </a:r>
+                      <a:r>
+                        <a:rPr lang="en-US" sz="2000" kern="1200" dirty="0">
+                          <a:effectLst/>
+                          <a:latin typeface="Times New Roman" panose="02020603050405020304" pitchFamily="18" charset="0"/>
+                          <a:cs typeface="Times New Roman" panose="02020603050405020304" pitchFamily="18" charset="0"/>
+                        </a:rPr>
+                        <a:t>zero or one character</a:t>
+                      </a:r>
+                      <a:r>
+                        <a:rPr lang="en-US" sz="2000" dirty="0">
+                          <a:latin typeface="Times New Roman" panose="02020603050405020304" pitchFamily="18" charset="0"/>
+                          <a:cs typeface="Times New Roman" panose="02020603050405020304" pitchFamily="18" charset="0"/>
+                        </a:rPr>
+                        <a:t>),)</a:t>
+                      </a:r>
+                      <a:endParaRPr lang="en-US" sz="2000" b="0" dirty="0">
+                        <a:latin typeface="Times New Roman" panose="02020603050405020304" pitchFamily="18" charset="0"/>
+                        <a:cs typeface="Times New Roman" panose="02020603050405020304" pitchFamily="18" charset="0"/>
+                      </a:endParaRPr>
+                    </a:p>
+                  </a:txBody>
+                  <a:tcPr/>
+                </a:tc>
+                <a:tc>
+                  <a:txBody>
+                    <a:bodyPr/>
+                    <a:lstStyle/>
+                    <a:p>
+                      <a:r>
+                        <a:rPr lang="en-US" sz="2000" dirty="0">
+                          <a:latin typeface="Times New Roman" panose="02020603050405020304" pitchFamily="18" charset="0"/>
+                          <a:cs typeface="Times New Roman" panose="02020603050405020304" pitchFamily="18" charset="0"/>
+                        </a:rPr>
+                        <a:t>returns 1 if the string matches the supplied pattern:</a:t>
+                      </a:r>
+                    </a:p>
+                    <a:p>
+                      <a:r>
+                        <a:rPr lang="en-US" sz="2000" b="0" i="0" kern="1200" dirty="0" err="1">
+                          <a:solidFill>
+                            <a:schemeClr val="tx1"/>
+                          </a:solidFill>
+                          <a:effectLst/>
+                          <a:latin typeface="Times New Roman" panose="02020603050405020304" pitchFamily="18" charset="0"/>
+                          <a:ea typeface="+mn-ea"/>
+                          <a:cs typeface="Times New Roman" panose="02020603050405020304" pitchFamily="18" charset="0"/>
+                        </a:rPr>
+                        <a:t>E.g</a:t>
+                      </a:r>
+                      <a:r>
+                        <a:rPr lang="en-US" sz="2000" dirty="0">
+                          <a:latin typeface="Times New Roman" panose="02020603050405020304" pitchFamily="18" charset="0"/>
+                          <a:cs typeface="Times New Roman" panose="02020603050405020304" pitchFamily="18" charset="0"/>
+                        </a:rPr>
+                        <a:t>: “field” like ‘…%’…</a:t>
+                      </a:r>
+                      <a:endParaRPr lang="en-US" sz="2000" b="0" dirty="0">
+                        <a:latin typeface="Times New Roman" panose="02020603050405020304" pitchFamily="18" charset="0"/>
+                        <a:cs typeface="Times New Roman" panose="02020603050405020304" pitchFamily="18" charset="0"/>
+                      </a:endParaRPr>
+                    </a:p>
+                  </a:txBody>
+                  <a:tcPr/>
+                </a:tc>
+                <a:extLst>
+                  <a:ext uri="{0D108BD9-81ED-4DB2-BD59-A6C34878D82A}">
+                    <a16:rowId xmlns:a16="http://schemas.microsoft.com/office/drawing/2014/main" val="1721897719"/>
+                  </a:ext>
+                </a:extLst>
+              </a:tr>
+              <a:tr h="370840">
+                <a:tc>
+                  <a:txBody>
+                    <a:bodyPr/>
+                    <a:lstStyle/>
+                    <a:p>
+                      <a:r>
+                        <a:rPr lang="en-US" sz="2000" b="1" dirty="0">
+                          <a:solidFill>
+                            <a:srgbClr val="FF0000"/>
+                          </a:solidFill>
+                          <a:latin typeface="Times New Roman" panose="02020603050405020304" pitchFamily="18" charset="0"/>
+                          <a:cs typeface="Times New Roman" panose="02020603050405020304" pitchFamily="18" charset="0"/>
+                        </a:rPr>
+                        <a:t>"column name" </a:t>
+                      </a:r>
+                      <a:r>
+                        <a:rPr lang="en-US" sz="2000" dirty="0">
+                          <a:latin typeface="Times New Roman" panose="02020603050405020304" pitchFamily="18" charset="0"/>
+                          <a:cs typeface="Times New Roman" panose="02020603050405020304" pitchFamily="18" charset="0"/>
+                        </a:rPr>
+                        <a:t>(</a:t>
+                      </a:r>
+                      <a:r>
+                        <a:rPr lang="en-US" sz="2000" kern="1200" dirty="0">
+                          <a:effectLst/>
+                          <a:latin typeface="Times New Roman" panose="02020603050405020304" pitchFamily="18" charset="0"/>
+                          <a:cs typeface="Times New Roman" panose="02020603050405020304" pitchFamily="18" charset="0"/>
+                        </a:rPr>
+                        <a:t>quotation marks/ double quote</a:t>
+                      </a:r>
+                      <a:r>
+                        <a:rPr lang="en-US" sz="2000" dirty="0">
+                          <a:latin typeface="Times New Roman" panose="02020603050405020304" pitchFamily="18" charset="0"/>
+                          <a:cs typeface="Times New Roman" panose="02020603050405020304" pitchFamily="18" charset="0"/>
+                        </a:rPr>
+                        <a:t>)</a:t>
+                      </a:r>
+                    </a:p>
+                  </a:txBody>
+                  <a:tcPr/>
+                </a:tc>
+                <a:tc>
+                  <a:txBody>
+                    <a:bodyPr/>
+                    <a:lstStyle/>
+                    <a:p>
+                      <a:r>
+                        <a:rPr lang="en-US" sz="2000" dirty="0">
+                          <a:latin typeface="Times New Roman" panose="02020603050405020304" pitchFamily="18" charset="0"/>
+                          <a:cs typeface="Times New Roman" panose="02020603050405020304" pitchFamily="18" charset="0"/>
+                        </a:rPr>
+                        <a:t>value of the field column name</a:t>
+                      </a:r>
+                    </a:p>
+                  </a:txBody>
+                  <a:tcPr/>
+                </a:tc>
+                <a:extLst>
+                  <a:ext uri="{0D108BD9-81ED-4DB2-BD59-A6C34878D82A}">
+                    <a16:rowId xmlns:a16="http://schemas.microsoft.com/office/drawing/2014/main" val="198948087"/>
+                  </a:ext>
+                </a:extLst>
+              </a:tr>
+              <a:tr h="370840">
+                <a:tc>
+                  <a:txBody>
+                    <a:bodyPr/>
+                    <a:lstStyle/>
+                    <a:p>
+                      <a:r>
+                        <a:rPr lang="en-US" sz="2000" b="1" dirty="0">
+                          <a:solidFill>
+                            <a:srgbClr val="FF0000"/>
+                          </a:solidFill>
+                          <a:latin typeface="Times New Roman" panose="02020603050405020304" pitchFamily="18" charset="0"/>
+                          <a:cs typeface="Times New Roman" panose="02020603050405020304" pitchFamily="18" charset="0"/>
+                        </a:rPr>
+                        <a:t>‘string’ </a:t>
+                      </a:r>
+                      <a:r>
+                        <a:rPr lang="en-US" sz="2000" dirty="0">
+                          <a:latin typeface="Times New Roman" panose="02020603050405020304" pitchFamily="18" charset="0"/>
+                          <a:cs typeface="Times New Roman" panose="02020603050405020304" pitchFamily="18" charset="0"/>
+                        </a:rPr>
+                        <a:t>(</a:t>
+                      </a:r>
+                      <a:r>
+                        <a:rPr lang="en-US" sz="2000" kern="1200" dirty="0">
+                          <a:effectLst/>
+                          <a:latin typeface="Times New Roman" panose="02020603050405020304" pitchFamily="18" charset="0"/>
+                          <a:cs typeface="Times New Roman" panose="02020603050405020304" pitchFamily="18" charset="0"/>
+                        </a:rPr>
+                        <a:t>apostrophe/ single quote </a:t>
+                      </a:r>
+                      <a:r>
+                        <a:rPr lang="en-US" sz="2000" dirty="0">
+                          <a:latin typeface="Times New Roman" panose="02020603050405020304" pitchFamily="18" charset="0"/>
+                          <a:cs typeface="Times New Roman" panose="02020603050405020304" pitchFamily="18" charset="0"/>
+                        </a:rPr>
+                        <a:t>)</a:t>
+                      </a:r>
+                    </a:p>
+                  </a:txBody>
+                  <a:tcPr/>
+                </a:tc>
+                <a:tc>
+                  <a:txBody>
+                    <a:bodyPr/>
+                    <a:lstStyle/>
+                    <a:p>
+                      <a:r>
+                        <a:rPr lang="en-US" sz="2000" dirty="0">
+                          <a:latin typeface="Times New Roman" panose="02020603050405020304" pitchFamily="18" charset="0"/>
+                          <a:cs typeface="Times New Roman" panose="02020603050405020304" pitchFamily="18" charset="0"/>
+                        </a:rPr>
+                        <a:t>a string value</a:t>
+                      </a:r>
+                    </a:p>
+                  </a:txBody>
+                  <a:tcPr/>
+                </a:tc>
+                <a:extLst>
+                  <a:ext uri="{0D108BD9-81ED-4DB2-BD59-A6C34878D82A}">
+                    <a16:rowId xmlns:a16="http://schemas.microsoft.com/office/drawing/2014/main" val="2177687821"/>
+                  </a:ext>
+                </a:extLst>
+              </a:tr>
+              <a:tr h="370840">
+                <a:tc>
+                  <a:txBody>
+                    <a:bodyPr/>
+                    <a:lstStyle/>
+                    <a:p>
+                      <a:pPr marL="0" marR="0" lvl="0" indent="0" algn="l" defTabSz="457200" rtl="0" eaLnBrk="1" fontAlgn="auto" latinLnBrk="0" hangingPunct="1">
+                        <a:lnSpc>
+                          <a:spcPct val="100000"/>
+                        </a:lnSpc>
+                        <a:spcBef>
+                          <a:spcPts val="0"/>
+                        </a:spcBef>
+                        <a:spcAft>
+                          <a:spcPts val="0"/>
+                        </a:spcAft>
+                        <a:buClrTx/>
+                        <a:buSzTx/>
+                        <a:buFontTx/>
+                        <a:buNone/>
+                        <a:tabLst/>
+                        <a:defRPr/>
+                      </a:pPr>
+                      <a:r>
+                        <a:rPr lang="en-US" sz="2000" kern="1200" dirty="0">
+                          <a:solidFill>
+                            <a:srgbClr val="FF0000"/>
+                          </a:solidFill>
+                          <a:effectLst/>
+                          <a:latin typeface="Times New Roman" panose="02020603050405020304" pitchFamily="18" charset="0"/>
+                          <a:cs typeface="Times New Roman" panose="02020603050405020304" pitchFamily="18" charset="0"/>
+                        </a:rPr>
+                        <a:t>NULL</a:t>
+                      </a:r>
+                      <a:r>
+                        <a:rPr lang="en-US" sz="2000" kern="1200" dirty="0">
+                          <a:effectLst/>
+                          <a:latin typeface="Times New Roman" panose="02020603050405020304" pitchFamily="18" charset="0"/>
+                          <a:cs typeface="Times New Roman" panose="02020603050405020304" pitchFamily="18" charset="0"/>
+                        </a:rPr>
+                        <a:t> value checking: IS NULL, IS NOT NULL</a:t>
+                      </a:r>
+                    </a:p>
+                    <a:p>
+                      <a:endParaRPr lang="en-US" sz="2000" dirty="0">
+                        <a:latin typeface="Times New Roman" panose="02020603050405020304" pitchFamily="18" charset="0"/>
+                        <a:cs typeface="Times New Roman" panose="02020603050405020304" pitchFamily="18" charset="0"/>
+                      </a:endParaRPr>
+                    </a:p>
+                  </a:txBody>
+                  <a:tcPr/>
+                </a:tc>
+                <a:tc>
+                  <a:txBody>
+                    <a:bodyPr/>
+                    <a:lstStyle/>
+                    <a:p>
+                      <a:r>
+                        <a:rPr lang="en-US" sz="2000" b="0" i="0" kern="1200" dirty="0" err="1">
+                          <a:solidFill>
+                            <a:schemeClr val="tx1"/>
+                          </a:solidFill>
+                          <a:effectLst/>
+                          <a:latin typeface="Times New Roman" panose="02020603050405020304" pitchFamily="18" charset="0"/>
+                          <a:ea typeface="+mn-ea"/>
+                          <a:cs typeface="Times New Roman" panose="02020603050405020304" pitchFamily="18" charset="0"/>
+                        </a:rPr>
+                        <a:t>E.g</a:t>
+                      </a:r>
+                      <a:r>
+                        <a:rPr lang="en-US" sz="2000" dirty="0">
+                          <a:latin typeface="Times New Roman" panose="02020603050405020304" pitchFamily="18" charset="0"/>
+                          <a:cs typeface="Times New Roman" panose="02020603050405020304" pitchFamily="18" charset="0"/>
+                        </a:rPr>
+                        <a:t>: “field” is null</a:t>
+                      </a:r>
+                    </a:p>
+                  </a:txBody>
+                  <a:tcPr/>
+                </a:tc>
+                <a:extLst>
+                  <a:ext uri="{0D108BD9-81ED-4DB2-BD59-A6C34878D82A}">
+                    <a16:rowId xmlns:a16="http://schemas.microsoft.com/office/drawing/2014/main" val="435420037"/>
+                  </a:ext>
+                </a:extLst>
+              </a:tr>
+              <a:tr h="370840">
+                <a:tc>
+                  <a:txBody>
+                    <a:bodyPr/>
+                    <a:lstStyle/>
+                    <a:p>
+                      <a:r>
+                        <a:rPr lang="en-US" sz="2000" dirty="0">
+                          <a:solidFill>
+                            <a:srgbClr val="FF0000"/>
+                          </a:solidFill>
+                          <a:latin typeface="Times New Roman" panose="02020603050405020304" pitchFamily="18" charset="0"/>
+                          <a:cs typeface="Times New Roman" panose="02020603050405020304" pitchFamily="18" charset="0"/>
+                        </a:rPr>
+                        <a:t>IN</a:t>
+                      </a:r>
+                    </a:p>
+                  </a:txBody>
+                  <a:tcPr/>
+                </a:tc>
+                <a:tc>
+                  <a:txBody>
+                    <a:bodyPr/>
+                    <a:lstStyle/>
+                    <a:p>
+                      <a:pPr marL="0" marR="0" lvl="0" indent="0" algn="l" defTabSz="457200" rtl="0" eaLnBrk="1" fontAlgn="auto" latinLnBrk="0" hangingPunct="1">
+                        <a:lnSpc>
+                          <a:spcPct val="100000"/>
+                        </a:lnSpc>
+                        <a:spcBef>
+                          <a:spcPts val="0"/>
+                        </a:spcBef>
+                        <a:spcAft>
+                          <a:spcPts val="0"/>
+                        </a:spcAft>
+                        <a:buClrTx/>
+                        <a:buSzTx/>
+                        <a:buFontTx/>
+                        <a:buNone/>
+                        <a:tabLst/>
+                        <a:defRPr/>
+                      </a:pPr>
+                      <a:r>
+                        <a:rPr lang="en-US" sz="2000" dirty="0" err="1">
+                          <a:latin typeface="Times New Roman" panose="02020603050405020304" pitchFamily="18" charset="0"/>
+                          <a:cs typeface="Times New Roman" panose="02020603050405020304" pitchFamily="18" charset="0"/>
+                        </a:rPr>
+                        <a:t>E.g</a:t>
+                      </a:r>
+                      <a:r>
+                        <a:rPr lang="en-US" sz="2000" dirty="0">
+                          <a:latin typeface="Times New Roman" panose="02020603050405020304" pitchFamily="18" charset="0"/>
+                          <a:cs typeface="Times New Roman" panose="02020603050405020304" pitchFamily="18" charset="0"/>
+                        </a:rPr>
+                        <a:t>: 1 </a:t>
+                      </a:r>
+                      <a:r>
+                        <a:rPr lang="en-US" sz="2000" dirty="0">
+                          <a:solidFill>
+                            <a:srgbClr val="FF0000"/>
+                          </a:solidFill>
+                          <a:latin typeface="Times New Roman" panose="02020603050405020304" pitchFamily="18" charset="0"/>
+                          <a:cs typeface="Times New Roman" panose="02020603050405020304" pitchFamily="18" charset="0"/>
+                        </a:rPr>
+                        <a:t>in</a:t>
+                      </a:r>
+                      <a:r>
+                        <a:rPr lang="en-US" sz="2000" dirty="0">
+                          <a:latin typeface="Times New Roman" panose="02020603050405020304" pitchFamily="18" charset="0"/>
+                          <a:cs typeface="Times New Roman" panose="02020603050405020304" pitchFamily="18" charset="0"/>
+                        </a:rPr>
+                        <a:t> (1,2,3,4) return True</a:t>
+                      </a:r>
+                    </a:p>
+                    <a:p>
+                      <a:endParaRPr lang="en-US" sz="2000" dirty="0">
+                        <a:latin typeface="Times New Roman" panose="02020603050405020304" pitchFamily="18" charset="0"/>
+                        <a:cs typeface="Times New Roman" panose="02020603050405020304" pitchFamily="18" charset="0"/>
+                      </a:endParaRPr>
+                    </a:p>
+                  </a:txBody>
+                  <a:tcPr/>
+                </a:tc>
+                <a:extLst>
+                  <a:ext uri="{0D108BD9-81ED-4DB2-BD59-A6C34878D82A}">
+                    <a16:rowId xmlns:a16="http://schemas.microsoft.com/office/drawing/2014/main" val="500605109"/>
+                  </a:ext>
+                </a:extLst>
+              </a:tr>
+            </a:tbl>
+          </a:graphicData>
+        </a:graphic>
+      </p:graphicFrame>
+    </p:spTree>
+    <p:extLst>
+      <p:ext uri="{BB962C8B-B14F-4D97-AF65-F5344CB8AC3E}">
+        <p14:creationId xmlns:p14="http://schemas.microsoft.com/office/powerpoint/2010/main" val="1937015714"/>
+      </p:ext>
+    </p:extLst>
+  </p:cSld>
+  <p:clrMapOvr>
+    <a:masterClrMapping/>
+  </p:clrMapOvr>
+  <p:transition>
+    <p:random/>
+  </p:transition>
+</p:sld>
+</file>
+
+<file path=ppt/slides/slide2.xml><?xml version="1.0" encoding="utf-8"?>
+<p:sld xmlns:a="http://schemas.openxmlformats.org/drawingml/2006/main" xmlns:r="http://schemas.openxmlformats.org/officeDocument/2006/relationships" xmlns:p="http://schemas.openxmlformats.org/presentationml/2006/main">
+  <p:cSld>
+    <p:spTree>
+      <p:nvGrpSpPr>
+        <p:cNvPr id="1" name=""/>
+        <p:cNvGrpSpPr/>
+        <p:nvPr/>
+      </p:nvGrpSpPr>
+      <p:grpSpPr>
+        <a:xfrm>
+          <a:off x="0" y="0"/>
+          <a:ext cx="0" cy="0"/>
+          <a:chOff x="0" y="0"/>
+          <a:chExt cx="0" cy="0"/>
+        </a:xfrm>
+      </p:grpSpPr>
+      <p:sp>
+        <p:nvSpPr>
+          <p:cNvPr id="33794" name="Title 2">
+            <a:extLst>
+              <a:ext uri="{FF2B5EF4-FFF2-40B4-BE49-F238E27FC236}">
+                <a16:creationId xmlns:a16="http://schemas.microsoft.com/office/drawing/2014/main" id="{E9DB568C-DDFB-4A5E-91BE-2DAE7D1C5A0F}"/>
+              </a:ext>
+            </a:extLst>
+          </p:cNvPr>
+          <p:cNvSpPr>
+            <a:spLocks noGrp="1" noChangeArrowheads="1"/>
+          </p:cNvSpPr>
+          <p:nvPr>
+            <p:ph type="title"/>
+          </p:nvPr>
+        </p:nvSpPr>
+        <p:spPr>
+          <a:xfrm>
+            <a:off x="0" y="-66261"/>
+            <a:ext cx="12192000" cy="685800"/>
+          </a:xfrm>
+          <a:solidFill>
+            <a:schemeClr val="accent1">
+              <a:lumMod val="75000"/>
+            </a:schemeClr>
+          </a:solidFill>
+        </p:spPr>
+        <p:txBody>
+          <a:bodyPr/>
+          <a:lstStyle/>
+          <a:p>
+            <a:r>
+              <a:rPr lang="en-US">
+                <a:latin typeface="Times New Roman" panose="02020603050405020304" pitchFamily="18" charset="0"/>
+                <a:cs typeface="Times New Roman" panose="02020603050405020304" pitchFamily="18" charset="0"/>
+              </a:rPr>
+              <a:t>Working with Vector Data</a:t>
+            </a:r>
+          </a:p>
+        </p:txBody>
+      </p:sp>
+      <p:sp>
+        <p:nvSpPr>
+          <p:cNvPr id="4" name="Slide Number Placeholder 3">
+            <a:extLst>
+              <a:ext uri="{FF2B5EF4-FFF2-40B4-BE49-F238E27FC236}">
+                <a16:creationId xmlns:a16="http://schemas.microsoft.com/office/drawing/2014/main" id="{B881CD7C-E4B5-43C8-BE7F-245851460E5D}"/>
+              </a:ext>
+            </a:extLst>
+          </p:cNvPr>
+          <p:cNvSpPr>
+            <a:spLocks noGrp="1"/>
+          </p:cNvSpPr>
+          <p:nvPr>
+            <p:ph type="sldNum" sz="quarter" idx="10"/>
+          </p:nvPr>
+        </p:nvSpPr>
+        <p:spPr/>
+        <p:txBody>
+          <a:bodyPr/>
+          <a:lstStyle/>
+          <a:p>
+            <a:pPr>
+              <a:defRPr/>
+            </a:pPr>
+            <a:fld id="{F6FC9C8E-0622-48DE-805E-8149CB419E80}" type="slidenum">
+              <a:rPr lang="en-US"/>
+              <a:pPr>
+                <a:defRPr/>
+              </a:pPr>
+              <a:t>2</a:t>
+            </a:fld>
+            <a:endParaRPr lang="en-US" dirty="0"/>
+          </a:p>
+        </p:txBody>
+      </p:sp>
+      <p:sp>
+        <p:nvSpPr>
+          <p:cNvPr id="5" name="Rectangle 4">
+            <a:extLst>
+              <a:ext uri="{FF2B5EF4-FFF2-40B4-BE49-F238E27FC236}">
+                <a16:creationId xmlns:a16="http://schemas.microsoft.com/office/drawing/2014/main" id="{F963E4AD-0B49-4E89-818B-4205A45DCD44}"/>
+              </a:ext>
+            </a:extLst>
+          </p:cNvPr>
+          <p:cNvSpPr/>
+          <p:nvPr/>
+        </p:nvSpPr>
+        <p:spPr>
+          <a:xfrm>
+            <a:off x="762000" y="695744"/>
+            <a:ext cx="11125200" cy="5016758"/>
+          </a:xfrm>
+          <a:prstGeom prst="rect">
+            <a:avLst/>
+          </a:prstGeom>
+        </p:spPr>
+        <p:txBody>
+          <a:bodyPr wrap="square">
+            <a:spAutoFit/>
+          </a:bodyPr>
+          <a:lstStyle/>
+          <a:p>
+            <a:pPr marL="457200" indent="-457200">
+              <a:buFont typeface="Arial" panose="020B0604020202020204" pitchFamily="34" charset="0"/>
+              <a:buChar char="•"/>
+            </a:pPr>
+            <a:r>
+              <a:rPr lang="en-US" sz="3200" b="1" dirty="0">
+                <a:latin typeface="Times New Roman" panose="02020603050405020304" pitchFamily="18" charset="0"/>
+                <a:cs typeface="Times New Roman" panose="02020603050405020304" pitchFamily="18" charset="0"/>
+              </a:rPr>
+              <a:t>File and data types: </a:t>
+            </a:r>
+            <a:r>
+              <a:rPr lang="en-US" sz="3200" dirty="0">
+                <a:latin typeface="Times New Roman" panose="02020603050405020304" pitchFamily="18" charset="0"/>
+                <a:cs typeface="Times New Roman" panose="02020603050405020304" pitchFamily="18" charset="0"/>
+              </a:rPr>
+              <a:t>Shapefile, CSV, </a:t>
+            </a:r>
+            <a:r>
+              <a:rPr lang="en-US" sz="3200" dirty="0" err="1">
+                <a:latin typeface="Times New Roman" panose="02020603050405020304" pitchFamily="18" charset="0"/>
+                <a:cs typeface="Times New Roman" panose="02020603050405020304" pitchFamily="18" charset="0"/>
+              </a:rPr>
+              <a:t>GeoPackage</a:t>
+            </a:r>
+            <a:r>
+              <a:rPr lang="en-US" sz="3200" dirty="0">
+                <a:latin typeface="Times New Roman" panose="02020603050405020304" pitchFamily="18" charset="0"/>
+                <a:cs typeface="Times New Roman" panose="02020603050405020304" pitchFamily="18" charset="0"/>
+              </a:rPr>
+              <a:t>, </a:t>
+            </a:r>
+            <a:r>
+              <a:rPr lang="en-US" sz="3200" dirty="0" err="1">
+                <a:latin typeface="Times New Roman" panose="02020603050405020304" pitchFamily="18" charset="0"/>
+                <a:cs typeface="Times New Roman" panose="02020603050405020304" pitchFamily="18" charset="0"/>
+              </a:rPr>
+              <a:t>SpatiaLite</a:t>
+            </a:r>
+            <a:r>
+              <a:rPr lang="en-US" sz="3200" dirty="0">
+                <a:latin typeface="Times New Roman" panose="02020603050405020304" pitchFamily="18" charset="0"/>
+                <a:cs typeface="Times New Roman" panose="02020603050405020304" pitchFamily="18" charset="0"/>
+              </a:rPr>
+              <a:t>, </a:t>
+            </a:r>
+            <a:r>
+              <a:rPr lang="en-US" sz="3200" dirty="0" err="1">
+                <a:latin typeface="Times New Roman" panose="02020603050405020304" pitchFamily="18" charset="0"/>
+                <a:cs typeface="Times New Roman" panose="02020603050405020304" pitchFamily="18" charset="0"/>
+              </a:rPr>
+              <a:t>PostGIS</a:t>
+            </a:r>
+            <a:r>
+              <a:rPr lang="en-US" sz="3200" dirty="0">
+                <a:latin typeface="Times New Roman" panose="02020603050405020304" pitchFamily="18" charset="0"/>
+                <a:cs typeface="Times New Roman" panose="02020603050405020304" pitchFamily="18" charset="0"/>
+              </a:rPr>
+              <a:t>, MSSQL, Oracle, DB2, WMS, XYZ Tiles, WFS, ArcGIS </a:t>
+            </a:r>
+            <a:r>
+              <a:rPr lang="en-US" sz="3200" dirty="0" err="1">
+                <a:latin typeface="Times New Roman" panose="02020603050405020304" pitchFamily="18" charset="0"/>
+                <a:cs typeface="Times New Roman" panose="02020603050405020304" pitchFamily="18" charset="0"/>
+              </a:rPr>
+              <a:t>Mapserver</a:t>
+            </a:r>
+            <a:r>
+              <a:rPr lang="en-US" sz="3200" dirty="0">
+                <a:latin typeface="Times New Roman" panose="02020603050405020304" pitchFamily="18" charset="0"/>
+                <a:cs typeface="Times New Roman" panose="02020603050405020304" pitchFamily="18" charset="0"/>
+              </a:rPr>
+              <a:t>, </a:t>
+            </a:r>
+            <a:r>
+              <a:rPr lang="en-US" sz="3200" dirty="0" err="1">
+                <a:latin typeface="Times New Roman" panose="02020603050405020304" pitchFamily="18" charset="0"/>
+                <a:cs typeface="Times New Roman" panose="02020603050405020304" pitchFamily="18" charset="0"/>
+              </a:rPr>
+              <a:t>GeoNode</a:t>
+            </a:r>
+            <a:endParaRPr lang="en-US" sz="3200" dirty="0">
+              <a:latin typeface="Times New Roman" panose="02020603050405020304" pitchFamily="18" charset="0"/>
+              <a:cs typeface="Times New Roman" panose="02020603050405020304" pitchFamily="18" charset="0"/>
+            </a:endParaRPr>
+          </a:p>
+          <a:p>
+            <a:pPr marL="457200" indent="-457200">
+              <a:buFont typeface="Arial" panose="020B0604020202020204" pitchFamily="34" charset="0"/>
+              <a:buChar char="•"/>
+            </a:pPr>
+            <a:r>
+              <a:rPr lang="en-US" sz="3200" b="1" dirty="0">
+                <a:latin typeface="Times New Roman" panose="02020603050405020304" pitchFamily="18" charset="0"/>
+                <a:cs typeface="Times New Roman" panose="02020603050405020304" pitchFamily="18" charset="0"/>
+              </a:rPr>
+              <a:t>Loading Data:</a:t>
+            </a:r>
+            <a:r>
+              <a:rPr lang="en-US" sz="3200" dirty="0">
+                <a:latin typeface="Times New Roman" panose="02020603050405020304" pitchFamily="18" charset="0"/>
+                <a:cs typeface="Times New Roman" panose="02020603050405020304" pitchFamily="18" charset="0"/>
+              </a:rPr>
+              <a:t> Add tool, QGIS Browser, reordering layers</a:t>
+            </a:r>
+          </a:p>
+          <a:p>
+            <a:pPr marL="457200" indent="-457200">
+              <a:buFont typeface="Arial" panose="020B0604020202020204" pitchFamily="34" charset="0"/>
+              <a:buChar char="•"/>
+            </a:pPr>
+            <a:r>
+              <a:rPr lang="en-US" sz="3200" b="1" dirty="0">
+                <a:latin typeface="Times New Roman" panose="02020603050405020304" pitchFamily="18" charset="0"/>
+                <a:cs typeface="Times New Roman" panose="02020603050405020304" pitchFamily="18" charset="0"/>
+              </a:rPr>
+              <a:t>Layer Properties: </a:t>
+            </a:r>
+            <a:r>
+              <a:rPr lang="en-US" sz="3200" dirty="0">
+                <a:latin typeface="Times New Roman" panose="02020603050405020304" pitchFamily="18" charset="0"/>
+                <a:cs typeface="Times New Roman" panose="02020603050405020304" pitchFamily="18" charset="0"/>
+              </a:rPr>
+              <a:t>Symbology (Single Symbol, Categorized Symbol), Label</a:t>
+            </a:r>
+          </a:p>
+          <a:p>
+            <a:pPr marL="457200" indent="-457200">
+              <a:buFont typeface="Arial" panose="020B0604020202020204" pitchFamily="34" charset="0"/>
+              <a:buChar char="•"/>
+            </a:pPr>
+            <a:r>
+              <a:rPr lang="en-US" sz="3200" b="1" dirty="0">
+                <a:latin typeface="Times New Roman" panose="02020603050405020304" pitchFamily="18" charset="0"/>
+                <a:cs typeface="Times New Roman" panose="02020603050405020304" pitchFamily="18" charset="0"/>
+              </a:rPr>
+              <a:t>Adding AutoCAD, MicroStation Files</a:t>
+            </a:r>
+          </a:p>
+          <a:p>
+            <a:pPr marL="457200" indent="-457200">
+              <a:buFont typeface="Arial" panose="020B0604020202020204" pitchFamily="34" charset="0"/>
+              <a:buChar char="•"/>
+            </a:pPr>
+            <a:r>
+              <a:rPr lang="en-US" sz="3200" b="1" dirty="0">
+                <a:latin typeface="Times New Roman" panose="02020603050405020304" pitchFamily="18" charset="0"/>
+                <a:cs typeface="Times New Roman" panose="02020603050405020304" pitchFamily="18" charset="0"/>
+              </a:rPr>
+              <a:t>Working with Layer Attribute: </a:t>
+            </a:r>
+            <a:r>
+              <a:rPr lang="en-US" sz="3200" dirty="0">
+                <a:latin typeface="Times New Roman" panose="02020603050405020304" pitchFamily="18" charset="0"/>
+                <a:cs typeface="Times New Roman" panose="02020603050405020304" pitchFamily="18" charset="0"/>
+              </a:rPr>
+              <a:t>view/ sort attribute, select feature by expressions, add/ remove fields, calculate field </a:t>
+            </a:r>
+          </a:p>
+          <a:p>
+            <a:pPr marL="457200" indent="-457200">
+              <a:buFont typeface="Arial" panose="020B0604020202020204" pitchFamily="34" charset="0"/>
+              <a:buChar char="•"/>
+            </a:pPr>
+            <a:r>
+              <a:rPr lang="en-US" sz="3200" b="1" dirty="0">
+                <a:latin typeface="Times New Roman" panose="02020603050405020304" pitchFamily="18" charset="0"/>
+                <a:cs typeface="Times New Roman" panose="02020603050405020304" pitchFamily="18" charset="0"/>
+              </a:rPr>
+              <a:t>Export layer, convert geometry type</a:t>
+            </a:r>
+          </a:p>
+        </p:txBody>
+      </p:sp>
+    </p:spTree>
+  </p:cSld>
+  <p:clrMapOvr>
+    <a:masterClrMapping/>
+  </p:clrMapOvr>
+  <p:transition>
+    <p:random/>
+  </p:transition>
+</p:sld>
+</file>
+
+<file path=ppt/slides/slide20.xml><?xml version="1.0" encoding="utf-8"?>
+<p:sld xmlns:a="http://schemas.openxmlformats.org/drawingml/2006/main" xmlns:r="http://schemas.openxmlformats.org/officeDocument/2006/relationships" xmlns:p="http://schemas.openxmlformats.org/presentationml/2006/main">
+  <p:cSld>
+    <p:spTree>
+      <p:nvGrpSpPr>
+        <p:cNvPr id="1" name=""/>
+        <p:cNvGrpSpPr/>
+        <p:nvPr/>
+      </p:nvGrpSpPr>
+      <p:grpSpPr>
+        <a:xfrm>
+          <a:off x="0" y="0"/>
+          <a:ext cx="0" cy="0"/>
+          <a:chOff x="0" y="0"/>
+          <a:chExt cx="0" cy="0"/>
+        </a:xfrm>
+      </p:grpSpPr>
+      <p:sp>
+        <p:nvSpPr>
+          <p:cNvPr id="33794" name="Title 2">
+            <a:extLst>
+              <a:ext uri="{FF2B5EF4-FFF2-40B4-BE49-F238E27FC236}">
+                <a16:creationId xmlns:a16="http://schemas.microsoft.com/office/drawing/2014/main" id="{E9DB568C-DDFB-4A5E-91BE-2DAE7D1C5A0F}"/>
+              </a:ext>
+            </a:extLst>
+          </p:cNvPr>
+          <p:cNvSpPr>
+            <a:spLocks noGrp="1" noChangeArrowheads="1"/>
+          </p:cNvSpPr>
+          <p:nvPr>
+            <p:ph type="title"/>
+          </p:nvPr>
+        </p:nvSpPr>
+        <p:spPr>
+          <a:xfrm>
+            <a:off x="0" y="0"/>
+            <a:ext cx="12192000" cy="685800"/>
+          </a:xfrm>
+          <a:solidFill>
+            <a:schemeClr val="accent1">
+              <a:lumMod val="75000"/>
+            </a:schemeClr>
+          </a:solidFill>
+        </p:spPr>
+        <p:txBody>
+          <a:bodyPr/>
+          <a:lstStyle/>
+          <a:p>
+            <a:r>
+              <a:rPr lang="en-US" altLang="en-US" dirty="0">
+                <a:ln>
+                  <a:noFill/>
+                </a:ln>
+                <a:latin typeface="Times New Roman" panose="02020603050405020304" pitchFamily="18" charset="0"/>
+                <a:cs typeface="Times New Roman" panose="02020603050405020304" pitchFamily="18" charset="0"/>
+              </a:rPr>
+              <a:t>Join Attributes by Field Value  </a:t>
+            </a:r>
+          </a:p>
+        </p:txBody>
+      </p:sp>
+      <p:sp>
+        <p:nvSpPr>
+          <p:cNvPr id="4" name="Slide Number Placeholder 3">
+            <a:extLst>
+              <a:ext uri="{FF2B5EF4-FFF2-40B4-BE49-F238E27FC236}">
+                <a16:creationId xmlns:a16="http://schemas.microsoft.com/office/drawing/2014/main" id="{B881CD7C-E4B5-43C8-BE7F-245851460E5D}"/>
+              </a:ext>
+            </a:extLst>
+          </p:cNvPr>
+          <p:cNvSpPr>
+            <a:spLocks noGrp="1"/>
+          </p:cNvSpPr>
+          <p:nvPr>
+            <p:ph type="sldNum" sz="quarter" idx="10"/>
+          </p:nvPr>
+        </p:nvSpPr>
+        <p:spPr/>
+        <p:txBody>
+          <a:bodyPr/>
+          <a:lstStyle/>
+          <a:p>
+            <a:pPr>
+              <a:defRPr/>
+            </a:pPr>
+            <a:fld id="{F6FC9C8E-0622-48DE-805E-8149CB419E80}" type="slidenum">
+              <a:rPr lang="en-US"/>
+              <a:pPr>
+                <a:defRPr/>
+              </a:pPr>
+              <a:t>20</a:t>
+            </a:fld>
+            <a:endParaRPr lang="en-US" dirty="0"/>
+          </a:p>
+        </p:txBody>
+      </p:sp>
+      <p:sp>
+        <p:nvSpPr>
+          <p:cNvPr id="5" name="Rectangle 4">
+            <a:extLst>
+              <a:ext uri="{FF2B5EF4-FFF2-40B4-BE49-F238E27FC236}">
+                <a16:creationId xmlns:a16="http://schemas.microsoft.com/office/drawing/2014/main" id="{FB25B39C-4493-40ED-8575-E223745BB46D}"/>
+              </a:ext>
+            </a:extLst>
+          </p:cNvPr>
+          <p:cNvSpPr/>
+          <p:nvPr/>
+        </p:nvSpPr>
+        <p:spPr>
+          <a:xfrm>
+            <a:off x="533399" y="695745"/>
+            <a:ext cx="5105401" cy="954107"/>
+          </a:xfrm>
+          <a:prstGeom prst="rect">
+            <a:avLst/>
+          </a:prstGeom>
+        </p:spPr>
+        <p:txBody>
+          <a:bodyPr wrap="square">
+            <a:spAutoFit/>
+          </a:bodyPr>
+          <a:lstStyle/>
+          <a:p>
+            <a:pPr marL="457200" indent="-457200">
+              <a:buFont typeface="Arial" panose="020B0604020202020204" pitchFamily="34" charset="0"/>
+              <a:buChar char="•"/>
+            </a:pPr>
+            <a:r>
+              <a:rPr lang="en-US" sz="2800" dirty="0">
+                <a:latin typeface="Times New Roman" panose="02020603050405020304" pitchFamily="18" charset="0"/>
+                <a:cs typeface="Times New Roman" panose="02020603050405020304" pitchFamily="18" charset="0"/>
+              </a:rPr>
+              <a:t>Use “Joins” in Layer Properties: just for view only</a:t>
+            </a:r>
+          </a:p>
+        </p:txBody>
+      </p:sp>
+      <p:pic>
+        <p:nvPicPr>
+          <p:cNvPr id="3" name="Picture 2">
+            <a:extLst>
+              <a:ext uri="{FF2B5EF4-FFF2-40B4-BE49-F238E27FC236}">
+                <a16:creationId xmlns:a16="http://schemas.microsoft.com/office/drawing/2014/main" id="{4D39437A-8236-4E82-A836-BE0CEA7D5D2F}"/>
+              </a:ext>
+            </a:extLst>
+          </p:cNvPr>
+          <p:cNvPicPr>
+            <a:picLocks noChangeAspect="1"/>
+          </p:cNvPicPr>
+          <p:nvPr/>
+        </p:nvPicPr>
+        <p:blipFill>
+          <a:blip r:embed="rId2"/>
+          <a:stretch>
+            <a:fillRect/>
+          </a:stretch>
+        </p:blipFill>
+        <p:spPr>
+          <a:xfrm>
+            <a:off x="6636613" y="2080740"/>
+            <a:ext cx="5250587" cy="3423236"/>
+          </a:xfrm>
+          <a:prstGeom prst="rect">
+            <a:avLst/>
+          </a:prstGeom>
+        </p:spPr>
+      </p:pic>
+      <p:sp>
+        <p:nvSpPr>
+          <p:cNvPr id="7" name="Rectangle 6">
+            <a:extLst>
+              <a:ext uri="{FF2B5EF4-FFF2-40B4-BE49-F238E27FC236}">
+                <a16:creationId xmlns:a16="http://schemas.microsoft.com/office/drawing/2014/main" id="{76ED0722-90E5-40C9-9982-D0227E2A002A}"/>
+              </a:ext>
+            </a:extLst>
+          </p:cNvPr>
+          <p:cNvSpPr/>
+          <p:nvPr/>
+        </p:nvSpPr>
+        <p:spPr>
+          <a:xfrm>
+            <a:off x="6324599" y="669303"/>
+            <a:ext cx="5764295" cy="954107"/>
+          </a:xfrm>
+          <a:prstGeom prst="rect">
+            <a:avLst/>
+          </a:prstGeom>
+        </p:spPr>
+        <p:txBody>
+          <a:bodyPr wrap="square">
+            <a:spAutoFit/>
+          </a:bodyPr>
+          <a:lstStyle/>
+          <a:p>
+            <a:pPr marL="457200" indent="-457200">
+              <a:buFont typeface="Arial" panose="020B0604020202020204" pitchFamily="34" charset="0"/>
+              <a:buChar char="•"/>
+            </a:pPr>
+            <a:r>
+              <a:rPr lang="en-US" sz="2800" dirty="0">
+                <a:latin typeface="Times New Roman" panose="02020603050405020304" pitchFamily="18" charset="0"/>
+                <a:cs typeface="Times New Roman" panose="02020603050405020304" pitchFamily="18" charset="0"/>
+              </a:rPr>
+              <a:t>Use “Join Attributes by Field Value”: create a new Shapefile</a:t>
+            </a:r>
+          </a:p>
+        </p:txBody>
+      </p:sp>
+      <p:pic>
+        <p:nvPicPr>
+          <p:cNvPr id="6" name="Picture 5">
+            <a:extLst>
+              <a:ext uri="{FF2B5EF4-FFF2-40B4-BE49-F238E27FC236}">
+                <a16:creationId xmlns:a16="http://schemas.microsoft.com/office/drawing/2014/main" id="{9F52059F-872B-4506-81F0-F2821E02FEA7}"/>
+              </a:ext>
+            </a:extLst>
+          </p:cNvPr>
+          <p:cNvPicPr>
+            <a:picLocks noChangeAspect="1"/>
+          </p:cNvPicPr>
+          <p:nvPr/>
+        </p:nvPicPr>
+        <p:blipFill rotWithShape="1">
+          <a:blip r:embed="rId3"/>
+          <a:srcRect r="33967" b="42222"/>
+          <a:stretch/>
+        </p:blipFill>
+        <p:spPr>
+          <a:xfrm>
+            <a:off x="549896" y="2257962"/>
+            <a:ext cx="5867399" cy="3220876"/>
+          </a:xfrm>
+          <a:prstGeom prst="rect">
+            <a:avLst/>
+          </a:prstGeom>
+        </p:spPr>
+      </p:pic>
+    </p:spTree>
+    <p:extLst>
+      <p:ext uri="{BB962C8B-B14F-4D97-AF65-F5344CB8AC3E}">
+        <p14:creationId xmlns:p14="http://schemas.microsoft.com/office/powerpoint/2010/main" val="1693759677"/>
+      </p:ext>
+    </p:extLst>
+  </p:cSld>
+  <p:clrMapOvr>
+    <a:masterClrMapping/>
+  </p:clrMapOvr>
+  <p:transition>
+    <p:random/>
+  </p:transition>
+</p:sld>
+</file>
+
+<file path=ppt/slides/slide21.xml><?xml version="1.0" encoding="utf-8"?>
+<p:sld xmlns:a="http://schemas.openxmlformats.org/drawingml/2006/main" xmlns:r="http://schemas.openxmlformats.org/officeDocument/2006/relationships" xmlns:p="http://schemas.openxmlformats.org/presentationml/2006/main">
+  <p:cSld>
+    <p:spTree>
+      <p:nvGrpSpPr>
+        <p:cNvPr id="1" name=""/>
+        <p:cNvGrpSpPr/>
+        <p:nvPr/>
+      </p:nvGrpSpPr>
+      <p:grpSpPr>
+        <a:xfrm>
+          <a:off x="0" y="0"/>
+          <a:ext cx="0" cy="0"/>
+          <a:chOff x="0" y="0"/>
+          <a:chExt cx="0" cy="0"/>
+        </a:xfrm>
+      </p:grpSpPr>
+      <p:sp>
+        <p:nvSpPr>
+          <p:cNvPr id="33794" name="Title 2">
+            <a:extLst>
+              <a:ext uri="{FF2B5EF4-FFF2-40B4-BE49-F238E27FC236}">
+                <a16:creationId xmlns:a16="http://schemas.microsoft.com/office/drawing/2014/main" id="{E9DB568C-DDFB-4A5E-91BE-2DAE7D1C5A0F}"/>
+              </a:ext>
+            </a:extLst>
+          </p:cNvPr>
+          <p:cNvSpPr>
+            <a:spLocks noGrp="1" noChangeArrowheads="1"/>
+          </p:cNvSpPr>
+          <p:nvPr>
+            <p:ph type="title"/>
+          </p:nvPr>
+        </p:nvSpPr>
+        <p:spPr>
+          <a:xfrm>
+            <a:off x="0" y="0"/>
+            <a:ext cx="12192000" cy="685800"/>
+          </a:xfrm>
+          <a:solidFill>
+            <a:schemeClr val="accent1">
+              <a:lumMod val="75000"/>
+            </a:schemeClr>
+          </a:solidFill>
+        </p:spPr>
+        <p:txBody>
+          <a:bodyPr/>
+          <a:lstStyle/>
+          <a:p>
+            <a:r>
+              <a:rPr lang="en-US" altLang="en-US" dirty="0">
+                <a:ln>
+                  <a:noFill/>
+                </a:ln>
+                <a:latin typeface="Times New Roman" panose="02020603050405020304" pitchFamily="18" charset="0"/>
+                <a:cs typeface="Times New Roman" panose="02020603050405020304" pitchFamily="18" charset="0"/>
+              </a:rPr>
+              <a:t>Exercises</a:t>
+            </a:r>
+          </a:p>
+        </p:txBody>
+      </p:sp>
+      <p:sp>
+        <p:nvSpPr>
+          <p:cNvPr id="4" name="Slide Number Placeholder 3">
+            <a:extLst>
+              <a:ext uri="{FF2B5EF4-FFF2-40B4-BE49-F238E27FC236}">
+                <a16:creationId xmlns:a16="http://schemas.microsoft.com/office/drawing/2014/main" id="{B881CD7C-E4B5-43C8-BE7F-245851460E5D}"/>
+              </a:ext>
+            </a:extLst>
+          </p:cNvPr>
+          <p:cNvSpPr>
+            <a:spLocks noGrp="1"/>
+          </p:cNvSpPr>
+          <p:nvPr>
+            <p:ph type="sldNum" sz="quarter" idx="10"/>
+          </p:nvPr>
+        </p:nvSpPr>
+        <p:spPr/>
+        <p:txBody>
+          <a:bodyPr/>
+          <a:lstStyle/>
+          <a:p>
+            <a:pPr>
+              <a:defRPr/>
+            </a:pPr>
+            <a:fld id="{F6FC9C8E-0622-48DE-805E-8149CB419E80}" type="slidenum">
+              <a:rPr lang="en-US"/>
+              <a:pPr>
+                <a:defRPr/>
+              </a:pPr>
+              <a:t>21</a:t>
+            </a:fld>
+            <a:endParaRPr lang="en-US" dirty="0"/>
+          </a:p>
+        </p:txBody>
+      </p:sp>
+      <p:sp>
+        <p:nvSpPr>
+          <p:cNvPr id="5" name="Rectangle 4">
+            <a:extLst>
+              <a:ext uri="{FF2B5EF4-FFF2-40B4-BE49-F238E27FC236}">
+                <a16:creationId xmlns:a16="http://schemas.microsoft.com/office/drawing/2014/main" id="{F963E4AD-0B49-4E89-818B-4205A45DCD44}"/>
+              </a:ext>
+            </a:extLst>
+          </p:cNvPr>
+          <p:cNvSpPr/>
+          <p:nvPr/>
+        </p:nvSpPr>
+        <p:spPr>
+          <a:xfrm>
+            <a:off x="533399" y="695745"/>
+            <a:ext cx="11648661" cy="5262979"/>
+          </a:xfrm>
+          <a:prstGeom prst="rect">
+            <a:avLst/>
+          </a:prstGeom>
+        </p:spPr>
+        <p:txBody>
+          <a:bodyPr wrap="square">
+            <a:spAutoFit/>
+          </a:bodyPr>
+          <a:lstStyle/>
+          <a:p>
+            <a:pPr marL="457189" indent="-457189">
+              <a:buFont typeface="Wingdings" panose="05000000000000000000" pitchFamily="2" charset="2"/>
+              <a:buChar char="§"/>
+            </a:pPr>
+            <a:r>
+              <a:rPr lang="en-US" sz="2800" b="1" dirty="0">
+                <a:latin typeface="Times New Roman" panose="02020603050405020304" pitchFamily="18" charset="0"/>
+                <a:cs typeface="Times New Roman" panose="02020603050405020304" pitchFamily="18" charset="0"/>
+              </a:rPr>
+              <a:t>Exercises:</a:t>
+            </a:r>
+          </a:p>
+          <a:p>
+            <a:pPr marL="914389" lvl="1" indent="-457189">
+              <a:buFont typeface="Wingdings" panose="05000000000000000000" pitchFamily="2" charset="2"/>
+              <a:buChar char="§"/>
+            </a:pPr>
+            <a:r>
+              <a:rPr lang="en-US" sz="2800" dirty="0">
+                <a:latin typeface="Times New Roman" panose="02020603050405020304" pitchFamily="18" charset="0"/>
+                <a:cs typeface="Times New Roman" panose="02020603050405020304" pitchFamily="18" charset="0"/>
+              </a:rPr>
+              <a:t>Drag and drop shapefile into QGIS using Window Explorer or QGIS Browser</a:t>
+            </a:r>
+          </a:p>
+          <a:p>
+            <a:pPr marL="914389" lvl="1" indent="-457189">
+              <a:buFont typeface="Wingdings" panose="05000000000000000000" pitchFamily="2" charset="2"/>
+              <a:buChar char="§"/>
+            </a:pPr>
+            <a:r>
+              <a:rPr lang="en-US" sz="2800" dirty="0">
+                <a:latin typeface="Times New Roman" panose="02020603050405020304" pitchFamily="18" charset="0"/>
+                <a:cs typeface="Times New Roman" panose="02020603050405020304" pitchFamily="18" charset="0"/>
+              </a:rPr>
+              <a:t>Show feature count, symbology, labeling, set CRS</a:t>
+            </a:r>
+          </a:p>
+          <a:p>
+            <a:pPr marL="914389" lvl="1" indent="-457189">
+              <a:buFont typeface="Wingdings" panose="05000000000000000000" pitchFamily="2" charset="2"/>
+              <a:buChar char="§"/>
+            </a:pPr>
+            <a:r>
+              <a:rPr lang="en-US" sz="2800" dirty="0">
+                <a:latin typeface="Times New Roman" panose="02020603050405020304" pitchFamily="18" charset="0"/>
+                <a:cs typeface="Times New Roman" panose="02020603050405020304" pitchFamily="18" charset="0"/>
+              </a:rPr>
+              <a:t>Export Layer</a:t>
+            </a:r>
+          </a:p>
+          <a:p>
+            <a:pPr marL="914389" lvl="1" indent="-457189">
+              <a:buFont typeface="Wingdings" panose="05000000000000000000" pitchFamily="2" charset="2"/>
+              <a:buChar char="§"/>
+            </a:pPr>
+            <a:r>
+              <a:rPr lang="en-US" sz="2800" dirty="0">
+                <a:latin typeface="Times New Roman" panose="02020603050405020304" pitchFamily="18" charset="0"/>
+                <a:cs typeface="Times New Roman" panose="02020603050405020304" pitchFamily="18" charset="0"/>
+              </a:rPr>
+              <a:t>Add </a:t>
+            </a:r>
+            <a:r>
+              <a:rPr lang="en-US" sz="2800" dirty="0" err="1">
+                <a:latin typeface="Times New Roman" panose="02020603050405020304" pitchFamily="18" charset="0"/>
+                <a:cs typeface="Times New Roman" panose="02020603050405020304" pitchFamily="18" charset="0"/>
+              </a:rPr>
+              <a:t>geopackage</a:t>
+            </a:r>
+            <a:r>
+              <a:rPr lang="en-US" sz="2800" dirty="0">
+                <a:latin typeface="Times New Roman" panose="02020603050405020304" pitchFamily="18" charset="0"/>
+                <a:cs typeface="Times New Roman" panose="02020603050405020304" pitchFamily="18" charset="0"/>
+              </a:rPr>
+              <a:t>/ </a:t>
+            </a:r>
+            <a:r>
+              <a:rPr lang="en-US" sz="2800" dirty="0" err="1">
+                <a:latin typeface="Times New Roman" panose="02020603050405020304" pitchFamily="18" charset="0"/>
+                <a:cs typeface="Times New Roman" panose="02020603050405020304" pitchFamily="18" charset="0"/>
+              </a:rPr>
+              <a:t>GeoJSON</a:t>
+            </a:r>
+            <a:r>
+              <a:rPr lang="en-US" sz="2800" dirty="0">
+                <a:latin typeface="Times New Roman" panose="02020603050405020304" pitchFamily="18" charset="0"/>
+                <a:cs typeface="Times New Roman" panose="02020603050405020304" pitchFamily="18" charset="0"/>
+              </a:rPr>
+              <a:t>/ </a:t>
+            </a:r>
+            <a:r>
+              <a:rPr lang="en-US" sz="2800" dirty="0" err="1">
+                <a:latin typeface="Times New Roman" panose="02020603050405020304" pitchFamily="18" charset="0"/>
+                <a:cs typeface="Times New Roman" panose="02020603050405020304" pitchFamily="18" charset="0"/>
+              </a:rPr>
+              <a:t>Geonode</a:t>
+            </a:r>
+            <a:r>
+              <a:rPr lang="en-US" sz="2800" dirty="0">
+                <a:latin typeface="Times New Roman" panose="02020603050405020304" pitchFamily="18" charset="0"/>
+                <a:cs typeface="Times New Roman" panose="02020603050405020304" pitchFamily="18" charset="0"/>
+              </a:rPr>
+              <a:t> data, XYZ Tiles </a:t>
+            </a:r>
+            <a:r>
+              <a:rPr lang="en-US" sz="2800" dirty="0" err="1">
+                <a:latin typeface="Times New Roman" panose="02020603050405020304" pitchFamily="18" charset="0"/>
+                <a:cs typeface="Times New Roman" panose="02020603050405020304" pitchFamily="18" charset="0"/>
+              </a:rPr>
+              <a:t>Basemap</a:t>
+            </a:r>
+            <a:endParaRPr lang="en-US" sz="2800" dirty="0">
+              <a:latin typeface="Times New Roman" panose="02020603050405020304" pitchFamily="18" charset="0"/>
+              <a:cs typeface="Times New Roman" panose="02020603050405020304" pitchFamily="18" charset="0"/>
+            </a:endParaRPr>
+          </a:p>
+          <a:p>
+            <a:pPr marL="914389" lvl="1" indent="-457189">
+              <a:buFont typeface="Wingdings" panose="05000000000000000000" pitchFamily="2" charset="2"/>
+              <a:buChar char="§"/>
+            </a:pPr>
+            <a:r>
+              <a:rPr lang="en-US" sz="2800" b="1" dirty="0">
+                <a:solidFill>
+                  <a:srgbClr val="FF0000"/>
+                </a:solidFill>
+                <a:latin typeface="Times New Roman" panose="02020603050405020304" pitchFamily="18" charset="0"/>
+                <a:cs typeface="Times New Roman" panose="02020603050405020304" pitchFamily="18" charset="0"/>
+              </a:rPr>
+              <a:t>Calculate Field: </a:t>
+            </a:r>
+            <a:r>
+              <a:rPr lang="en-US" sz="2800" b="1" dirty="0" err="1">
+                <a:solidFill>
+                  <a:srgbClr val="FF0000"/>
+                </a:solidFill>
+                <a:latin typeface="Times New Roman" panose="02020603050405020304" pitchFamily="18" charset="0"/>
+                <a:cs typeface="Times New Roman" panose="02020603050405020304" pitchFamily="18" charset="0"/>
+              </a:rPr>
+              <a:t>Calulate</a:t>
+            </a:r>
+            <a:r>
+              <a:rPr lang="en-US" sz="2800" b="1" dirty="0">
+                <a:solidFill>
+                  <a:srgbClr val="FF0000"/>
+                </a:solidFill>
+                <a:latin typeface="Times New Roman" panose="02020603050405020304" pitchFamily="18" charset="0"/>
+                <a:cs typeface="Times New Roman" panose="02020603050405020304" pitchFamily="18" charset="0"/>
+              </a:rPr>
+              <a:t> </a:t>
+            </a:r>
+            <a:r>
+              <a:rPr lang="en-US" sz="2800" b="1" dirty="0" err="1">
+                <a:solidFill>
+                  <a:srgbClr val="FF0000"/>
+                </a:solidFill>
+                <a:latin typeface="Times New Roman" panose="02020603050405020304" pitchFamily="18" charset="0"/>
+                <a:cs typeface="Times New Roman" panose="02020603050405020304" pitchFamily="18" charset="0"/>
+              </a:rPr>
+              <a:t>Polpulation</a:t>
+            </a:r>
+            <a:r>
+              <a:rPr lang="en-US" sz="2800" b="1" dirty="0">
+                <a:solidFill>
+                  <a:srgbClr val="FF0000"/>
+                </a:solidFill>
+                <a:latin typeface="Times New Roman" panose="02020603050405020304" pitchFamily="18" charset="0"/>
+                <a:cs typeface="Times New Roman" panose="02020603050405020304" pitchFamily="18" charset="0"/>
+              </a:rPr>
+              <a:t> Density</a:t>
+            </a:r>
+          </a:p>
+          <a:p>
+            <a:pPr marL="1371589" lvl="2" indent="-457189">
+              <a:buFont typeface="Wingdings" panose="05000000000000000000" pitchFamily="2" charset="2"/>
+              <a:buChar char="§"/>
+            </a:pPr>
+            <a:r>
+              <a:rPr lang="en-US" sz="2800" dirty="0">
+                <a:latin typeface="Times New Roman" panose="02020603050405020304" pitchFamily="18" charset="0"/>
+                <a:cs typeface="Times New Roman" panose="02020603050405020304" pitchFamily="18" charset="0"/>
+              </a:rPr>
+              <a:t>Join “Wards” Shapefile with pop excel </a:t>
+            </a:r>
+            <a:r>
+              <a:rPr lang="en-US" sz="2800" dirty="0">
+                <a:latin typeface="Times New Roman" panose="02020603050405020304" pitchFamily="18" charset="0"/>
+                <a:cs typeface="Times New Roman" panose="02020603050405020304" pitchFamily="18" charset="0"/>
+                <a:sym typeface="Wingdings" panose="05000000000000000000" pitchFamily="2" charset="2"/>
+              </a:rPr>
+              <a:t> </a:t>
+            </a:r>
+            <a:r>
+              <a:rPr lang="en-US" sz="2800" dirty="0">
+                <a:latin typeface="Times New Roman" panose="02020603050405020304" pitchFamily="18" charset="0"/>
+                <a:cs typeface="Times New Roman" panose="02020603050405020304" pitchFamily="18" charset="0"/>
+              </a:rPr>
+              <a:t>create a new </a:t>
+            </a:r>
+            <a:r>
+              <a:rPr lang="en-US" sz="2800" dirty="0" err="1">
+                <a:latin typeface="Times New Roman" panose="02020603050405020304" pitchFamily="18" charset="0"/>
+                <a:cs typeface="Times New Roman" panose="02020603050405020304" pitchFamily="18" charset="0"/>
+              </a:rPr>
+              <a:t>Wards_pop</a:t>
+            </a:r>
+            <a:r>
+              <a:rPr lang="en-US" sz="2800" dirty="0">
+                <a:latin typeface="Times New Roman" panose="02020603050405020304" pitchFamily="18" charset="0"/>
+                <a:cs typeface="Times New Roman" panose="02020603050405020304" pitchFamily="18" charset="0"/>
+              </a:rPr>
+              <a:t> Layer</a:t>
+            </a:r>
+          </a:p>
+          <a:p>
+            <a:pPr marL="1371589" lvl="2" indent="-457189">
+              <a:buFont typeface="Wingdings" panose="05000000000000000000" pitchFamily="2" charset="2"/>
+              <a:buChar char="§"/>
+            </a:pPr>
+            <a:r>
+              <a:rPr lang="en-US" sz="2800" dirty="0">
+                <a:latin typeface="Times New Roman" panose="02020603050405020304" pitchFamily="18" charset="0"/>
+                <a:cs typeface="Times New Roman" panose="02020603050405020304" pitchFamily="18" charset="0"/>
+              </a:rPr>
+              <a:t>Create a new Field named “density”</a:t>
+            </a:r>
+          </a:p>
+          <a:p>
+            <a:pPr marL="1371589" lvl="2" indent="-457189">
+              <a:buFont typeface="Wingdings" panose="05000000000000000000" pitchFamily="2" charset="2"/>
+              <a:buChar char="§"/>
+            </a:pPr>
+            <a:r>
+              <a:rPr lang="en-US" sz="2800" dirty="0">
+                <a:latin typeface="Times New Roman" panose="02020603050405020304" pitchFamily="18" charset="0"/>
+                <a:cs typeface="Times New Roman" panose="02020603050405020304" pitchFamily="18" charset="0"/>
+              </a:rPr>
+              <a:t>Calculate Population Density into “density” </a:t>
+            </a:r>
+            <a:r>
+              <a:rPr lang="en-US" sz="2800" dirty="0" err="1">
+                <a:latin typeface="Times New Roman" panose="02020603050405020304" pitchFamily="18" charset="0"/>
+                <a:cs typeface="Times New Roman" panose="02020603050405020304" pitchFamily="18" charset="0"/>
+              </a:rPr>
+              <a:t>colum</a:t>
+            </a:r>
+            <a:r>
+              <a:rPr lang="en-US" sz="2800" dirty="0">
+                <a:latin typeface="Times New Roman" panose="02020603050405020304" pitchFamily="18" charset="0"/>
+                <a:cs typeface="Times New Roman" panose="02020603050405020304" pitchFamily="18" charset="0"/>
+              </a:rPr>
+              <a:t>: Pop/ Area (km2)</a:t>
+            </a:r>
+          </a:p>
+          <a:p>
+            <a:pPr marL="914389" lvl="1" indent="-457189">
+              <a:buFont typeface="Wingdings" panose="05000000000000000000" pitchFamily="2" charset="2"/>
+              <a:buChar char="§"/>
+            </a:pPr>
+            <a:endParaRPr lang="en-US" sz="2800" dirty="0">
+              <a:latin typeface="Times New Roman" panose="02020603050405020304" pitchFamily="18" charset="0"/>
+              <a:cs typeface="Times New Roman" panose="02020603050405020304" pitchFamily="18" charset="0"/>
+            </a:endParaRPr>
+          </a:p>
+        </p:txBody>
+      </p:sp>
+    </p:spTree>
+    <p:extLst>
+      <p:ext uri="{BB962C8B-B14F-4D97-AF65-F5344CB8AC3E}">
+        <p14:creationId xmlns:p14="http://schemas.microsoft.com/office/powerpoint/2010/main" val="1286112671"/>
+      </p:ext>
+    </p:extLst>
+  </p:cSld>
+  <p:clrMapOvr>
+    <a:masterClrMapping/>
+  </p:clrMapOvr>
+  <p:transition>
+    <p:random/>
+  </p:transition>
+</p:sld>
+</file>
+
+<file path=ppt/slides/slide22.xml><?xml version="1.0" encoding="utf-8"?>
+<p:sld xmlns:a="http://schemas.openxmlformats.org/drawingml/2006/main" xmlns:r="http://schemas.openxmlformats.org/officeDocument/2006/relationships" xmlns:p="http://schemas.openxmlformats.org/presentationml/2006/main">
+  <p:cSld>
+    <p:spTree>
+      <p:nvGrpSpPr>
+        <p:cNvPr id="1" name=""/>
+        <p:cNvGrpSpPr/>
+        <p:nvPr/>
+      </p:nvGrpSpPr>
+      <p:grpSpPr>
+        <a:xfrm>
+          <a:off x="0" y="0"/>
+          <a:ext cx="0" cy="0"/>
+          <a:chOff x="0" y="0"/>
+          <a:chExt cx="0" cy="0"/>
+        </a:xfrm>
+      </p:grpSpPr>
+      <p:sp>
+        <p:nvSpPr>
+          <p:cNvPr id="33794" name="Title 2">
+            <a:extLst>
+              <a:ext uri="{FF2B5EF4-FFF2-40B4-BE49-F238E27FC236}">
+                <a16:creationId xmlns:a16="http://schemas.microsoft.com/office/drawing/2014/main" id="{E9DB568C-DDFB-4A5E-91BE-2DAE7D1C5A0F}"/>
+              </a:ext>
+            </a:extLst>
+          </p:cNvPr>
+          <p:cNvSpPr>
+            <a:spLocks noGrp="1" noChangeArrowheads="1"/>
+          </p:cNvSpPr>
+          <p:nvPr>
+            <p:ph type="title"/>
+          </p:nvPr>
+        </p:nvSpPr>
+        <p:spPr>
+          <a:xfrm>
+            <a:off x="0" y="0"/>
+            <a:ext cx="12192000" cy="685800"/>
+          </a:xfrm>
+          <a:solidFill>
+            <a:schemeClr val="accent1">
+              <a:lumMod val="75000"/>
+            </a:schemeClr>
+          </a:solidFill>
+        </p:spPr>
+        <p:txBody>
+          <a:bodyPr/>
+          <a:lstStyle/>
+          <a:p>
+            <a:r>
+              <a:rPr lang="en-US" altLang="en-US" dirty="0">
+                <a:ln>
+                  <a:noFill/>
+                </a:ln>
+                <a:latin typeface="Times New Roman" panose="02020603050405020304" pitchFamily="18" charset="0"/>
+                <a:cs typeface="Times New Roman" panose="02020603050405020304" pitchFamily="18" charset="0"/>
+              </a:rPr>
+              <a:t>Some advanced Tool</a:t>
+            </a:r>
+          </a:p>
+        </p:txBody>
+      </p:sp>
+      <p:sp>
+        <p:nvSpPr>
+          <p:cNvPr id="4" name="Slide Number Placeholder 3">
+            <a:extLst>
+              <a:ext uri="{FF2B5EF4-FFF2-40B4-BE49-F238E27FC236}">
+                <a16:creationId xmlns:a16="http://schemas.microsoft.com/office/drawing/2014/main" id="{B881CD7C-E4B5-43C8-BE7F-245851460E5D}"/>
+              </a:ext>
+            </a:extLst>
+          </p:cNvPr>
+          <p:cNvSpPr>
+            <a:spLocks noGrp="1"/>
+          </p:cNvSpPr>
+          <p:nvPr>
+            <p:ph type="sldNum" sz="quarter" idx="10"/>
+          </p:nvPr>
+        </p:nvSpPr>
+        <p:spPr/>
+        <p:txBody>
+          <a:bodyPr/>
+          <a:lstStyle/>
+          <a:p>
+            <a:pPr>
+              <a:defRPr/>
+            </a:pPr>
+            <a:fld id="{F6FC9C8E-0622-48DE-805E-8149CB419E80}" type="slidenum">
+              <a:rPr lang="en-US"/>
+              <a:pPr>
+                <a:defRPr/>
+              </a:pPr>
+              <a:t>22</a:t>
             </a:fld>
             <a:endParaRPr lang="en-US" dirty="0"/>
           </a:p>
@@ -4190,189 +7457,161 @@
           </a:bodyPr>
           <a:lstStyle/>
           <a:p>
-            <a:pPr marL="457189" indent="-457189">
-              <a:buFont typeface="Wingdings" panose="05000000000000000000" pitchFamily="2" charset="2"/>
-              <a:buChar char="§"/>
-            </a:pPr>
-            <a:r>
-              <a:rPr lang="en-US" sz="2800" b="1" dirty="0">
-                <a:latin typeface="Times New Roman" panose="02020603050405020304" pitchFamily="18" charset="0"/>
-                <a:cs typeface="Times New Roman" panose="02020603050405020304" pitchFamily="18" charset="0"/>
-              </a:rPr>
-              <a:t>Exercises:</a:t>
-            </a:r>
-          </a:p>
-          <a:p>
-            <a:pPr marL="914389" lvl="1" indent="-457189">
-              <a:buFont typeface="Wingdings" panose="05000000000000000000" pitchFamily="2" charset="2"/>
-              <a:buChar char="§"/>
+            <a:pPr marL="457200" indent="-457200">
+              <a:buFont typeface="Arial" panose="020B0604020202020204" pitchFamily="34" charset="0"/>
+              <a:buChar char="•"/>
             </a:pPr>
             <a:r>
               <a:rPr lang="en-US" sz="2800" dirty="0">
                 <a:latin typeface="Times New Roman" panose="02020603050405020304" pitchFamily="18" charset="0"/>
                 <a:cs typeface="Times New Roman" panose="02020603050405020304" pitchFamily="18" charset="0"/>
               </a:rPr>
-              <a:t>Drag and drop shapefile into QGIS using Window Explorer or QGIS Browser</a:t>
-            </a:r>
-          </a:p>
-          <a:p>
-            <a:pPr marL="914389" lvl="1" indent="-457189">
-              <a:buFont typeface="Wingdings" panose="05000000000000000000" pitchFamily="2" charset="2"/>
-              <a:buChar char="§"/>
+              <a:t>Decoration</a:t>
+            </a:r>
+          </a:p>
+          <a:p>
+            <a:pPr marL="457200" indent="-457200">
+              <a:buFont typeface="Arial" panose="020B0604020202020204" pitchFamily="34" charset="0"/>
+              <a:buChar char="•"/>
             </a:pPr>
             <a:r>
               <a:rPr lang="en-US" sz="2800" dirty="0">
                 <a:latin typeface="Times New Roman" panose="02020603050405020304" pitchFamily="18" charset="0"/>
                 <a:cs typeface="Times New Roman" panose="02020603050405020304" pitchFamily="18" charset="0"/>
               </a:rPr>
-              <a:t>Show feature count, symbology, labeling, set CRS</a:t>
-            </a:r>
-          </a:p>
-          <a:p>
-            <a:pPr marL="914389" lvl="1" indent="-457189">
-              <a:buFont typeface="Wingdings" panose="05000000000000000000" pitchFamily="2" charset="2"/>
-              <a:buChar char="§"/>
+              <a:t>Preview Mode</a:t>
+            </a:r>
+          </a:p>
+          <a:p>
+            <a:pPr marL="457200" indent="-457200">
+              <a:buFont typeface="Arial" panose="020B0604020202020204" pitchFamily="34" charset="0"/>
+              <a:buChar char="•"/>
             </a:pPr>
             <a:r>
               <a:rPr lang="en-US" sz="2800" dirty="0">
                 <a:latin typeface="Times New Roman" panose="02020603050405020304" pitchFamily="18" charset="0"/>
                 <a:cs typeface="Times New Roman" panose="02020603050405020304" pitchFamily="18" charset="0"/>
               </a:rPr>
-              <a:t>Export Layer</a:t>
-            </a:r>
-          </a:p>
-          <a:p>
-            <a:pPr marL="914389" lvl="1" indent="-457189">
-              <a:buFont typeface="Wingdings" panose="05000000000000000000" pitchFamily="2" charset="2"/>
-              <a:buChar char="§"/>
+              <a:t>Toggle Panel, Map</a:t>
+            </a:r>
+          </a:p>
+          <a:p>
+            <a:pPr marL="457200" indent="-457200">
+              <a:buFont typeface="Arial" panose="020B0604020202020204" pitchFamily="34" charset="0"/>
+              <a:buChar char="•"/>
             </a:pPr>
             <a:r>
               <a:rPr lang="en-US" sz="2800" dirty="0">
                 <a:latin typeface="Times New Roman" panose="02020603050405020304" pitchFamily="18" charset="0"/>
                 <a:cs typeface="Times New Roman" panose="02020603050405020304" pitchFamily="18" charset="0"/>
               </a:rPr>
-              <a:t>Add </a:t>
-            </a:r>
+              <a:t>Show New Map View</a:t>
+            </a:r>
+          </a:p>
+          <a:p>
+            <a:pPr marL="457200" indent="-457200">
+              <a:buFont typeface="Arial" panose="020B0604020202020204" pitchFamily="34" charset="0"/>
+              <a:buChar char="•"/>
+            </a:pPr>
+            <a:r>
+              <a:rPr lang="en-US" sz="2800" dirty="0">
+                <a:latin typeface="Times New Roman" panose="02020603050405020304" pitchFamily="18" charset="0"/>
+                <a:cs typeface="Times New Roman" panose="02020603050405020304" pitchFamily="18" charset="0"/>
+              </a:rPr>
+              <a:t>Working with Bookmarks: Create, Show, Import, Export</a:t>
+            </a:r>
+          </a:p>
+          <a:p>
+            <a:pPr marL="457200" indent="-457200">
+              <a:buFont typeface="Arial" panose="020B0604020202020204" pitchFamily="34" charset="0"/>
+              <a:buChar char="•"/>
+            </a:pPr>
+            <a:r>
+              <a:rPr lang="en-US" sz="2800" dirty="0">
+                <a:latin typeface="Times New Roman" panose="02020603050405020304" pitchFamily="18" charset="0"/>
+                <a:cs typeface="Times New Roman" panose="02020603050405020304" pitchFamily="18" charset="0"/>
+              </a:rPr>
+              <a:t>Show Statistical Summary </a:t>
+            </a:r>
+          </a:p>
+          <a:p>
+            <a:pPr marL="457200" indent="-457200">
+              <a:buFont typeface="Arial" panose="020B0604020202020204" pitchFamily="34" charset="0"/>
+              <a:buChar char="•"/>
+            </a:pPr>
+            <a:r>
+              <a:rPr lang="en-US" sz="2800" dirty="0">
+                <a:latin typeface="Times New Roman" panose="02020603050405020304" pitchFamily="18" charset="0"/>
+                <a:cs typeface="Times New Roman" panose="02020603050405020304" pitchFamily="18" charset="0"/>
+              </a:rPr>
+              <a:t>Measure Distance</a:t>
+            </a:r>
+          </a:p>
+          <a:p>
+            <a:pPr marL="457200" indent="-457200">
+              <a:buFont typeface="Arial" panose="020B0604020202020204" pitchFamily="34" charset="0"/>
+              <a:buChar char="•"/>
+            </a:pPr>
+            <a:r>
+              <a:rPr lang="en-US" sz="2800" dirty="0">
+                <a:latin typeface="Times New Roman" panose="02020603050405020304" pitchFamily="18" charset="0"/>
+                <a:cs typeface="Times New Roman" panose="02020603050405020304" pitchFamily="18" charset="0"/>
+              </a:rPr>
+              <a:t>Action</a:t>
+            </a:r>
+          </a:p>
+          <a:p>
+            <a:pPr marL="457200" indent="-457200">
+              <a:buFont typeface="Arial" panose="020B0604020202020204" pitchFamily="34" charset="0"/>
+              <a:buChar char="•"/>
+            </a:pPr>
+            <a:r>
+              <a:rPr lang="en-US" sz="2800" dirty="0">
+                <a:latin typeface="Times New Roman" panose="02020603050405020304" pitchFamily="18" charset="0"/>
+                <a:cs typeface="Times New Roman" panose="02020603050405020304" pitchFamily="18" charset="0"/>
+              </a:rPr>
+              <a:t>Map tips</a:t>
+            </a:r>
+          </a:p>
+          <a:p>
+            <a:pPr marL="457200" indent="-457200">
+              <a:buFont typeface="Arial" panose="020B0604020202020204" pitchFamily="34" charset="0"/>
+              <a:buChar char="•"/>
+            </a:pPr>
             <a:r>
               <a:rPr lang="en-US" sz="2800" dirty="0" err="1">
                 <a:latin typeface="Times New Roman" panose="02020603050405020304" pitchFamily="18" charset="0"/>
                 <a:cs typeface="Times New Roman" panose="02020603050405020304" pitchFamily="18" charset="0"/>
               </a:rPr>
-              <a:t>geopackage</a:t>
+              <a:t>Evis</a:t>
             </a:r>
             <a:r>
               <a:rPr lang="en-US" sz="2800" dirty="0">
                 <a:latin typeface="Times New Roman" panose="02020603050405020304" pitchFamily="18" charset="0"/>
                 <a:cs typeface="Times New Roman" panose="02020603050405020304" pitchFamily="18" charset="0"/>
               </a:rPr>
-              <a:t>/ </a:t>
-            </a:r>
-            <a:r>
-              <a:rPr lang="en-US" sz="2800" dirty="0" err="1">
-                <a:latin typeface="Times New Roman" panose="02020603050405020304" pitchFamily="18" charset="0"/>
-                <a:cs typeface="Times New Roman" panose="02020603050405020304" pitchFamily="18" charset="0"/>
-              </a:rPr>
-              <a:t>GeoJSON</a:t>
-            </a:r>
+              <a:t> Plugin</a:t>
+            </a:r>
+          </a:p>
+          <a:p>
+            <a:pPr marL="457200" indent="-457200">
+              <a:buFont typeface="Arial" panose="020B0604020202020204" pitchFamily="34" charset="0"/>
+              <a:buChar char="•"/>
+            </a:pPr>
             <a:r>
               <a:rPr lang="en-US" sz="2800" dirty="0">
                 <a:latin typeface="Times New Roman" panose="02020603050405020304" pitchFamily="18" charset="0"/>
                 <a:cs typeface="Times New Roman" panose="02020603050405020304" pitchFamily="18" charset="0"/>
               </a:rPr>
-              <a:t>/ </a:t>
-            </a:r>
-            <a:r>
-              <a:rPr lang="en-US" sz="2800" dirty="0" err="1">
-                <a:latin typeface="Times New Roman" panose="02020603050405020304" pitchFamily="18" charset="0"/>
-                <a:cs typeface="Times New Roman" panose="02020603050405020304" pitchFamily="18" charset="0"/>
-              </a:rPr>
-              <a:t>Geonode</a:t>
-            </a:r>
-            <a:r>
-              <a:rPr lang="en-US" sz="2800" dirty="0">
-                <a:latin typeface="Times New Roman" panose="02020603050405020304" pitchFamily="18" charset="0"/>
-                <a:cs typeface="Times New Roman" panose="02020603050405020304" pitchFamily="18" charset="0"/>
-              </a:rPr>
-              <a:t> data, XYZ Tiles </a:t>
-            </a:r>
-            <a:r>
-              <a:rPr lang="en-US" sz="2800" dirty="0" err="1">
-                <a:latin typeface="Times New Roman" panose="02020603050405020304" pitchFamily="18" charset="0"/>
-                <a:cs typeface="Times New Roman" panose="02020603050405020304" pitchFamily="18" charset="0"/>
-              </a:rPr>
-              <a:t>Basemap</a:t>
-            </a:r>
-            <a:endParaRPr lang="en-US" sz="2800" dirty="0">
-              <a:latin typeface="Times New Roman" panose="02020603050405020304" pitchFamily="18" charset="0"/>
-              <a:cs typeface="Times New Roman" panose="02020603050405020304" pitchFamily="18" charset="0"/>
-            </a:endParaRPr>
-          </a:p>
-          <a:p>
-            <a:pPr marL="914389" lvl="1" indent="-457189">
-              <a:buFont typeface="Wingdings" panose="05000000000000000000" pitchFamily="2" charset="2"/>
-              <a:buChar char="§"/>
-            </a:pPr>
-            <a:r>
-              <a:rPr lang="en-US" sz="2800" dirty="0">
-                <a:latin typeface="Times New Roman" panose="02020603050405020304" pitchFamily="18" charset="0"/>
-                <a:cs typeface="Times New Roman" panose="02020603050405020304" pitchFamily="18" charset="0"/>
-              </a:rPr>
-              <a:t>Calculate Field:</a:t>
-            </a:r>
-          </a:p>
-          <a:p>
-            <a:pPr marL="1371589" lvl="2" indent="-457189">
-              <a:buFont typeface="Wingdings" panose="05000000000000000000" pitchFamily="2" charset="2"/>
-              <a:buChar char="§"/>
-            </a:pPr>
-            <a:r>
-              <a:rPr lang="en-US" sz="2800" dirty="0">
-                <a:latin typeface="Times New Roman" panose="02020603050405020304" pitchFamily="18" charset="0"/>
-                <a:cs typeface="Times New Roman" panose="02020603050405020304" pitchFamily="18" charset="0"/>
-              </a:rPr>
-              <a:t>Create new field for Ward Shapefile called Population, input some value</a:t>
-            </a:r>
-          </a:p>
-          <a:p>
-            <a:pPr marL="1371589" lvl="2" indent="-457189">
-              <a:buFont typeface="Wingdings" panose="05000000000000000000" pitchFamily="2" charset="2"/>
-              <a:buChar char="§"/>
-            </a:pPr>
-            <a:r>
-              <a:rPr lang="en-US" sz="2800" dirty="0">
-                <a:latin typeface="Times New Roman" panose="02020603050405020304" pitchFamily="18" charset="0"/>
-                <a:cs typeface="Times New Roman" panose="02020603050405020304" pitchFamily="18" charset="0"/>
-              </a:rPr>
-              <a:t>Calculate Population Density: Population/ Area </a:t>
-            </a:r>
-            <a:r>
-              <a:rPr lang="en-US" sz="2800">
-                <a:latin typeface="Times New Roman" panose="02020603050405020304" pitchFamily="18" charset="0"/>
-                <a:cs typeface="Times New Roman" panose="02020603050405020304" pitchFamily="18" charset="0"/>
-              </a:rPr>
-              <a:t>(km2)</a:t>
-            </a:r>
-            <a:endParaRPr lang="en-US" sz="2800" dirty="0">
-              <a:latin typeface="Times New Roman" panose="02020603050405020304" pitchFamily="18" charset="0"/>
-              <a:cs typeface="Times New Roman" panose="02020603050405020304" pitchFamily="18" charset="0"/>
-            </a:endParaRPr>
-          </a:p>
-          <a:p>
-            <a:pPr marL="914389" lvl="1" indent="-457189">
-              <a:buFont typeface="Wingdings" panose="05000000000000000000" pitchFamily="2" charset="2"/>
-              <a:buChar char="§"/>
-            </a:pPr>
-            <a:endParaRPr lang="en-US" sz="2800" dirty="0">
-              <a:latin typeface="Times New Roman" panose="02020603050405020304" pitchFamily="18" charset="0"/>
-              <a:cs typeface="Times New Roman" panose="02020603050405020304" pitchFamily="18" charset="0"/>
-            </a:endParaRPr>
+              <a:t>Export Map to Image, PDF</a:t>
+            </a:r>
           </a:p>
         </p:txBody>
       </p:sp>
     </p:spTree>
     <p:extLst>
       <p:ext uri="{BB962C8B-B14F-4D97-AF65-F5344CB8AC3E}">
-        <p14:creationId xmlns:p14="http://schemas.microsoft.com/office/powerpoint/2010/main" val="1286112671"/>
+        <p14:creationId xmlns:p14="http://schemas.microsoft.com/office/powerpoint/2010/main" val="3626681287"/>
       </p:ext>
     </p:extLst>
   </p:cSld>
@@ -4385,7 +7624,7 @@
 </p:sld>
 </file>
 
-<file path=ppt/slides/slide17.xml><?xml version="1.0" encoding="utf-8"?>
+<file path=ppt/slides/slide23.xml><?xml version="1.0" encoding="utf-8"?>
 <p:sld xmlns:a="http://schemas.openxmlformats.org/drawingml/2006/main" xmlns:r="http://schemas.openxmlformats.org/officeDocument/2006/relationships" xmlns:p="http://schemas.openxmlformats.org/presentationml/2006/main">
   <p:cSld>
     <p:spTree>
@@ -4466,7 +7705,7 @@
               <a:pPr>
                 <a:defRPr/>
               </a:pPr>
-              <a:t>17</a:t>
+              <a:t>23</a:t>
             </a:fld>
             <a:endParaRPr lang="en-US"/>
           </a:p>
@@ -4726,311 +7965,6 @@
       </p:par>
     </p:tnLst>
   </p:timing>
-</p:sld>
-</file>
-
-<file path=ppt/slides/slide2.xml><?xml version="1.0" encoding="utf-8"?>
-<p:sld xmlns:a="http://schemas.openxmlformats.org/drawingml/2006/main" xmlns:r="http://schemas.openxmlformats.org/officeDocument/2006/relationships" xmlns:p="http://schemas.openxmlformats.org/presentationml/2006/main">
-  <p:cSld>
-    <p:spTree>
-      <p:nvGrpSpPr>
-        <p:cNvPr id="1" name=""/>
-        <p:cNvGrpSpPr/>
-        <p:nvPr/>
-      </p:nvGrpSpPr>
-      <p:grpSpPr>
-        <a:xfrm>
-          <a:off x="0" y="0"/>
-          <a:ext cx="0" cy="0"/>
-          <a:chOff x="0" y="0"/>
-          <a:chExt cx="0" cy="0"/>
-        </a:xfrm>
-      </p:grpSpPr>
-      <p:sp>
-        <p:nvSpPr>
-          <p:cNvPr id="33794" name="Title 2">
-            <a:extLst>
-              <a:ext uri="{FF2B5EF4-FFF2-40B4-BE49-F238E27FC236}">
-                <a16:creationId xmlns:a16="http://schemas.microsoft.com/office/drawing/2014/main" id="{E9DB568C-DDFB-4A5E-91BE-2DAE7D1C5A0F}"/>
-              </a:ext>
-            </a:extLst>
-          </p:cNvPr>
-          <p:cNvSpPr>
-            <a:spLocks noGrp="1" noChangeArrowheads="1"/>
-          </p:cNvSpPr>
-          <p:nvPr>
-            <p:ph type="title"/>
-          </p:nvPr>
-        </p:nvSpPr>
-        <p:spPr>
-          <a:xfrm>
-            <a:off x="0" y="-66261"/>
-            <a:ext cx="12192000" cy="685800"/>
-          </a:xfrm>
-          <a:solidFill>
-            <a:schemeClr val="accent1">
-              <a:lumMod val="75000"/>
-            </a:schemeClr>
-          </a:solidFill>
-        </p:spPr>
-        <p:txBody>
-          <a:bodyPr/>
-          <a:lstStyle/>
-          <a:p>
-            <a:r>
-              <a:rPr lang="en-US">
-                <a:latin typeface="Times New Roman" panose="02020603050405020304" pitchFamily="18" charset="0"/>
-                <a:cs typeface="Times New Roman" panose="02020603050405020304" pitchFamily="18" charset="0"/>
-              </a:rPr>
-              <a:t>Working with Vector Data</a:t>
-            </a:r>
-          </a:p>
-        </p:txBody>
-      </p:sp>
-      <p:sp>
-        <p:nvSpPr>
-          <p:cNvPr id="4" name="Slide Number Placeholder 3">
-            <a:extLst>
-              <a:ext uri="{FF2B5EF4-FFF2-40B4-BE49-F238E27FC236}">
-                <a16:creationId xmlns:a16="http://schemas.microsoft.com/office/drawing/2014/main" id="{B881CD7C-E4B5-43C8-BE7F-245851460E5D}"/>
-              </a:ext>
-            </a:extLst>
-          </p:cNvPr>
-          <p:cNvSpPr>
-            <a:spLocks noGrp="1"/>
-          </p:cNvSpPr>
-          <p:nvPr>
-            <p:ph type="sldNum" sz="quarter" idx="10"/>
-          </p:nvPr>
-        </p:nvSpPr>
-        <p:spPr/>
-        <p:txBody>
-          <a:bodyPr/>
-          <a:lstStyle/>
-          <a:p>
-            <a:pPr>
-              <a:defRPr/>
-            </a:pPr>
-            <a:fld id="{F6FC9C8E-0622-48DE-805E-8149CB419E80}" type="slidenum">
-              <a:rPr lang="en-US"/>
-              <a:pPr>
-                <a:defRPr/>
-              </a:pPr>
-              <a:t>2</a:t>
-            </a:fld>
-            <a:endParaRPr lang="en-US" dirty="0"/>
-          </a:p>
-        </p:txBody>
-      </p:sp>
-      <p:sp>
-        <p:nvSpPr>
-          <p:cNvPr id="5" name="Rectangle 4">
-            <a:extLst>
-              <a:ext uri="{FF2B5EF4-FFF2-40B4-BE49-F238E27FC236}">
-                <a16:creationId xmlns:a16="http://schemas.microsoft.com/office/drawing/2014/main" id="{F963E4AD-0B49-4E89-818B-4205A45DCD44}"/>
-              </a:ext>
-            </a:extLst>
-          </p:cNvPr>
-          <p:cNvSpPr/>
-          <p:nvPr/>
-        </p:nvSpPr>
-        <p:spPr>
-          <a:xfrm>
-            <a:off x="762000" y="695744"/>
-            <a:ext cx="11125200" cy="5016758"/>
-          </a:xfrm>
-          <a:prstGeom prst="rect">
-            <a:avLst/>
-          </a:prstGeom>
-        </p:spPr>
-        <p:txBody>
-          <a:bodyPr wrap="square">
-            <a:spAutoFit/>
-          </a:bodyPr>
-          <a:lstStyle/>
-          <a:p>
-            <a:pPr marL="457200" indent="-457200">
-              <a:buFont typeface="Arial" panose="020B0604020202020204" pitchFamily="34" charset="0"/>
-              <a:buChar char="•"/>
-            </a:pPr>
-            <a:r>
-              <a:rPr lang="en-US" sz="3200" b="1" dirty="0">
-                <a:latin typeface="Times New Roman" panose="02020603050405020304" pitchFamily="18" charset="0"/>
-                <a:cs typeface="Times New Roman" panose="02020603050405020304" pitchFamily="18" charset="0"/>
-              </a:rPr>
-              <a:t>File and data types: </a:t>
-            </a:r>
-            <a:r>
-              <a:rPr lang="en-US" sz="3200" dirty="0">
-                <a:latin typeface="Times New Roman" panose="02020603050405020304" pitchFamily="18" charset="0"/>
-                <a:cs typeface="Times New Roman" panose="02020603050405020304" pitchFamily="18" charset="0"/>
-              </a:rPr>
-              <a:t>Shapefile, CSV, </a:t>
-            </a:r>
-            <a:r>
-              <a:rPr lang="en-US" sz="3200" dirty="0" err="1">
-                <a:latin typeface="Times New Roman" panose="02020603050405020304" pitchFamily="18" charset="0"/>
-                <a:cs typeface="Times New Roman" panose="02020603050405020304" pitchFamily="18" charset="0"/>
-              </a:rPr>
-              <a:t>GeoPackage</a:t>
-            </a:r>
-            <a:r>
-              <a:rPr lang="en-US" sz="3200" dirty="0">
-                <a:latin typeface="Times New Roman" panose="02020603050405020304" pitchFamily="18" charset="0"/>
-                <a:cs typeface="Times New Roman" panose="02020603050405020304" pitchFamily="18" charset="0"/>
-              </a:rPr>
-              <a:t>, </a:t>
-            </a:r>
-            <a:r>
-              <a:rPr lang="en-US" sz="3200" dirty="0" err="1">
-                <a:latin typeface="Times New Roman" panose="02020603050405020304" pitchFamily="18" charset="0"/>
-                <a:cs typeface="Times New Roman" panose="02020603050405020304" pitchFamily="18" charset="0"/>
-              </a:rPr>
-              <a:t>SpatiaLite</a:t>
-            </a:r>
-            <a:r>
-              <a:rPr lang="en-US" sz="3200" dirty="0">
-                <a:latin typeface="Times New Roman" panose="02020603050405020304" pitchFamily="18" charset="0"/>
-                <a:cs typeface="Times New Roman" panose="02020603050405020304" pitchFamily="18" charset="0"/>
-              </a:rPr>
-              <a:t>, </a:t>
-            </a:r>
-            <a:r>
-              <a:rPr lang="en-US" sz="3200" dirty="0" err="1">
-                <a:latin typeface="Times New Roman" panose="02020603050405020304" pitchFamily="18" charset="0"/>
-                <a:cs typeface="Times New Roman" panose="02020603050405020304" pitchFamily="18" charset="0"/>
-              </a:rPr>
-              <a:t>PostGIS</a:t>
-            </a:r>
-            <a:r>
-              <a:rPr lang="en-US" sz="3200" dirty="0">
-                <a:latin typeface="Times New Roman" panose="02020603050405020304" pitchFamily="18" charset="0"/>
-                <a:cs typeface="Times New Roman" panose="02020603050405020304" pitchFamily="18" charset="0"/>
-              </a:rPr>
-              <a:t>, MSSQL, Oracle, DB2, WMS, XYZ Tiles, WFS, ArcGIS </a:t>
-            </a:r>
-            <a:r>
-              <a:rPr lang="en-US" sz="3200" dirty="0" err="1">
-                <a:latin typeface="Times New Roman" panose="02020603050405020304" pitchFamily="18" charset="0"/>
-                <a:cs typeface="Times New Roman" panose="02020603050405020304" pitchFamily="18" charset="0"/>
-              </a:rPr>
-              <a:t>Mapserver</a:t>
-            </a:r>
-            <a:r>
-              <a:rPr lang="en-US" sz="3200" dirty="0">
-                <a:latin typeface="Times New Roman" panose="02020603050405020304" pitchFamily="18" charset="0"/>
-                <a:cs typeface="Times New Roman" panose="02020603050405020304" pitchFamily="18" charset="0"/>
-              </a:rPr>
-              <a:t>, </a:t>
-            </a:r>
-            <a:r>
-              <a:rPr lang="en-US" sz="3200" dirty="0" err="1">
-                <a:latin typeface="Times New Roman" panose="02020603050405020304" pitchFamily="18" charset="0"/>
-                <a:cs typeface="Times New Roman" panose="02020603050405020304" pitchFamily="18" charset="0"/>
-              </a:rPr>
-              <a:t>GeoNode</a:t>
-            </a:r>
-            <a:endParaRPr lang="en-US" sz="3200" dirty="0">
-              <a:latin typeface="Times New Roman" panose="02020603050405020304" pitchFamily="18" charset="0"/>
-              <a:cs typeface="Times New Roman" panose="02020603050405020304" pitchFamily="18" charset="0"/>
-            </a:endParaRPr>
-          </a:p>
-          <a:p>
-            <a:pPr marL="457200" indent="-457200">
-              <a:buFont typeface="Arial" panose="020B0604020202020204" pitchFamily="34" charset="0"/>
-              <a:buChar char="•"/>
-            </a:pPr>
-            <a:r>
-              <a:rPr lang="en-US" sz="3200" b="1" dirty="0">
-                <a:latin typeface="Times New Roman" panose="02020603050405020304" pitchFamily="18" charset="0"/>
-                <a:cs typeface="Times New Roman" panose="02020603050405020304" pitchFamily="18" charset="0"/>
-              </a:rPr>
-              <a:t>Loading Data:</a:t>
-            </a:r>
-            <a:r>
-              <a:rPr lang="en-US" sz="3200" dirty="0">
-                <a:latin typeface="Times New Roman" panose="02020603050405020304" pitchFamily="18" charset="0"/>
-                <a:cs typeface="Times New Roman" panose="02020603050405020304" pitchFamily="18" charset="0"/>
-              </a:rPr>
-              <a:t> Add tool, QGIS Browser, reordering layers</a:t>
-            </a:r>
-          </a:p>
-          <a:p>
-            <a:pPr marL="457200" indent="-457200">
-              <a:buFont typeface="Arial" panose="020B0604020202020204" pitchFamily="34" charset="0"/>
-              <a:buChar char="•"/>
-            </a:pPr>
-            <a:r>
-              <a:rPr lang="en-US" sz="3200" b="1" dirty="0">
-                <a:latin typeface="Times New Roman" panose="02020603050405020304" pitchFamily="18" charset="0"/>
-                <a:cs typeface="Times New Roman" panose="02020603050405020304" pitchFamily="18" charset="0"/>
-              </a:rPr>
-              <a:t>Layer Properties: </a:t>
-            </a:r>
-            <a:r>
-              <a:rPr lang="en-US" sz="3200" dirty="0">
-                <a:latin typeface="Times New Roman" panose="02020603050405020304" pitchFamily="18" charset="0"/>
-                <a:cs typeface="Times New Roman" panose="02020603050405020304" pitchFamily="18" charset="0"/>
-              </a:rPr>
-              <a:t>Symbology (Single Symbol, Categorized Symbol), Label</a:t>
-            </a:r>
-          </a:p>
-          <a:p>
-            <a:pPr marL="457200" indent="-457200">
-              <a:buFont typeface="Arial" panose="020B0604020202020204" pitchFamily="34" charset="0"/>
-              <a:buChar char="•"/>
-            </a:pPr>
-            <a:r>
-              <a:rPr lang="en-US" sz="3200" b="1" dirty="0">
-                <a:latin typeface="Times New Roman" panose="02020603050405020304" pitchFamily="18" charset="0"/>
-                <a:cs typeface="Times New Roman" panose="02020603050405020304" pitchFamily="18" charset="0"/>
-              </a:rPr>
-              <a:t>Adding AutoCAD, MicroStation Files</a:t>
-            </a:r>
-          </a:p>
-          <a:p>
-            <a:pPr marL="457200" indent="-457200">
-              <a:buFont typeface="Arial" panose="020B0604020202020204" pitchFamily="34" charset="0"/>
-              <a:buChar char="•"/>
-            </a:pPr>
-            <a:r>
-              <a:rPr lang="en-US" sz="3200" b="1" dirty="0">
-                <a:latin typeface="Times New Roman" panose="02020603050405020304" pitchFamily="18" charset="0"/>
-                <a:cs typeface="Times New Roman" panose="02020603050405020304" pitchFamily="18" charset="0"/>
-              </a:rPr>
-              <a:t>Working with Layer Attribute: </a:t>
-            </a:r>
-            <a:r>
-              <a:rPr lang="en-US" sz="3200" dirty="0">
-                <a:latin typeface="Times New Roman" panose="02020603050405020304" pitchFamily="18" charset="0"/>
-                <a:cs typeface="Times New Roman" panose="02020603050405020304" pitchFamily="18" charset="0"/>
-              </a:rPr>
-              <a:t>view/ sort attribute, select feature by expressions, add/ remove fields, calculate field </a:t>
-            </a:r>
-          </a:p>
-          <a:p>
-            <a:pPr marL="457200" indent="-457200">
-              <a:buFont typeface="Arial" panose="020B0604020202020204" pitchFamily="34" charset="0"/>
-              <a:buChar char="•"/>
-            </a:pPr>
-            <a:r>
-              <a:rPr lang="en-US" sz="3200" b="1" dirty="0">
-                <a:latin typeface="Times New Roman" panose="02020603050405020304" pitchFamily="18" charset="0"/>
-                <a:cs typeface="Times New Roman" panose="02020603050405020304" pitchFamily="18" charset="0"/>
-              </a:rPr>
-              <a:t>Export layer, convert geometry type</a:t>
-            </a:r>
-          </a:p>
-        </p:txBody>
-      </p:sp>
-    </p:spTree>
-  </p:cSld>
-  <p:clrMapOvr>
-    <a:masterClrMapping/>
-  </p:clrMapOvr>
-  <p:transition>
-    <p:random/>
-  </p:transition>
 </p:sld>
 </file>
 
